--- a/spatial-ai/w4w5.3-ch11-dimred.pptx
+++ b/spatial-ai/w4w5.3-ch11-dimred.pptx
@@ -5,10 +5,10 @@
     <p:sldMasterId id="2147483660" r:id="rId1"/>
   </p:sldMasterIdLst>
   <p:notesMasterIdLst>
-    <p:notesMasterId r:id="rId39"/>
+    <p:notesMasterId r:id="rId38"/>
   </p:notesMasterIdLst>
   <p:handoutMasterIdLst>
-    <p:handoutMasterId r:id="rId40"/>
+    <p:handoutMasterId r:id="rId39"/>
   </p:handoutMasterIdLst>
   <p:sldIdLst>
     <p:sldId id="432" r:id="rId2"/>
@@ -33,21 +33,20 @@
     <p:sldId id="429" r:id="rId21"/>
     <p:sldId id="355" r:id="rId22"/>
     <p:sldId id="410" r:id="rId23"/>
-    <p:sldId id="411" r:id="rId24"/>
-    <p:sldId id="358" r:id="rId25"/>
-    <p:sldId id="412" r:id="rId26"/>
-    <p:sldId id="413" r:id="rId27"/>
-    <p:sldId id="414" r:id="rId28"/>
-    <p:sldId id="415" r:id="rId29"/>
-    <p:sldId id="418" r:id="rId30"/>
-    <p:sldId id="374" r:id="rId31"/>
-    <p:sldId id="375" r:id="rId32"/>
-    <p:sldId id="376" r:id="rId33"/>
-    <p:sldId id="419" r:id="rId34"/>
-    <p:sldId id="378" r:id="rId35"/>
-    <p:sldId id="379" r:id="rId36"/>
-    <p:sldId id="368" r:id="rId37"/>
-    <p:sldId id="369" r:id="rId38"/>
+    <p:sldId id="358" r:id="rId24"/>
+    <p:sldId id="412" r:id="rId25"/>
+    <p:sldId id="413" r:id="rId26"/>
+    <p:sldId id="414" r:id="rId27"/>
+    <p:sldId id="415" r:id="rId28"/>
+    <p:sldId id="418" r:id="rId29"/>
+    <p:sldId id="374" r:id="rId30"/>
+    <p:sldId id="375" r:id="rId31"/>
+    <p:sldId id="376" r:id="rId32"/>
+    <p:sldId id="419" r:id="rId33"/>
+    <p:sldId id="378" r:id="rId34"/>
+    <p:sldId id="379" r:id="rId35"/>
+    <p:sldId id="368" r:id="rId36"/>
+    <p:sldId id="369" r:id="rId37"/>
   </p:sldIdLst>
   <p:sldSz cx="9144000" cy="6858000" type="screen4x3"/>
   <p:notesSz cx="7315200" cy="9601200"/>
@@ -262,7 +261,7 @@
             <a:fld id="{D3E28C4F-4FE9-4D22-93D8-487A4D01D983}" type="datetimeFigureOut">
               <a:rPr lang="en-US" smtClean="0"/>
               <a:pPr/>
-              <a:t>2/11/22</a:t>
+              <a:t>2/21/22</a:t>
             </a:fld>
             <a:endParaRPr lang="en-US"/>
           </a:p>
@@ -429,7 +428,7 @@
             <a:fld id="{EE18CB36-612C-4E4A-AC83-E89476AEC2BF}" type="datetimeFigureOut">
               <a:rPr lang="en-US" smtClean="0"/>
               <a:pPr/>
-              <a:t>2/11/22</a:t>
+              <a:t>2/21/22</a:t>
             </a:fld>
             <a:endParaRPr lang="en-US"/>
           </a:p>
@@ -876,7 +875,7 @@
             <a:fld id="{EE707532-839C-41A2-9E71-D5288AEAE66A}" type="slidenum">
               <a:rPr lang="en-US" smtClean="0"/>
               <a:pPr/>
-              <a:t>34</a:t>
+              <a:t>33</a:t>
             </a:fld>
             <a:endParaRPr lang="en-US"/>
           </a:p>
@@ -1139,7 +1138,7 @@
           <a:p>
             <a:fld id="{C2E68C40-DC97-441C-880E-25A4400CB158}" type="datetime1">
               <a:rPr lang="en-US" smtClean="0"/>
-              <a:t>2/11/22</a:t>
+              <a:t>2/21/22</a:t>
             </a:fld>
             <a:endParaRPr lang="en-US"/>
           </a:p>
@@ -1360,7 +1359,7 @@
           <a:p>
             <a:fld id="{5DABD742-5C98-472F-94C1-C40221EF7907}" type="datetime1">
               <a:rPr lang="en-US" smtClean="0"/>
-              <a:t>2/11/22</a:t>
+              <a:t>2/21/22</a:t>
             </a:fld>
             <a:endParaRPr lang="en-US"/>
           </a:p>
@@ -1635,7 +1634,7 @@
           <a:p>
             <a:fld id="{E8F4DDB4-AF13-4D48-86DE-B684F0AE4F56}" type="datetime1">
               <a:rPr lang="en-US" smtClean="0"/>
-              <a:t>2/11/22</a:t>
+              <a:t>2/21/22</a:t>
             </a:fld>
             <a:endParaRPr lang="en-US"/>
           </a:p>
@@ -1850,7 +1849,7 @@
           <a:p>
             <a:fld id="{FB80F3CF-EAB3-44ED-AB7B-3A60EAE443AA}" type="datetime1">
               <a:rPr lang="en-US" smtClean="0"/>
-              <a:t>2/11/22</a:t>
+              <a:t>2/21/22</a:t>
             </a:fld>
             <a:endParaRPr lang="en-GB"/>
           </a:p>
@@ -2111,7 +2110,7 @@
           <a:p>
             <a:fld id="{84A0E8FD-BB8A-49E8-AACE-C60CD85509EA}" type="datetime1">
               <a:rPr lang="en-US" smtClean="0"/>
-              <a:t>2/11/22</a:t>
+              <a:t>2/21/22</a:t>
             </a:fld>
             <a:endParaRPr lang="en-US"/>
           </a:p>
@@ -2307,7 +2306,7 @@
           <a:p>
             <a:fld id="{3828022C-0482-484B-92E6-57C88F87D1B2}" type="datetime1">
               <a:rPr lang="en-US" smtClean="0"/>
-              <a:t>2/11/22</a:t>
+              <a:t>2/21/22</a:t>
             </a:fld>
             <a:endParaRPr lang="en-US"/>
           </a:p>
@@ -2666,7 +2665,7 @@
           <a:p>
             <a:fld id="{10E9494C-0D68-479A-9930-698265C1F4F8}" type="datetime1">
               <a:rPr lang="en-US" smtClean="0"/>
-              <a:t>2/11/22</a:t>
+              <a:t>2/21/22</a:t>
             </a:fld>
             <a:endParaRPr lang="en-US"/>
           </a:p>
@@ -2954,7 +2953,7 @@
           <a:p>
             <a:fld id="{52A997F5-7111-4137-832F-3508303DDD07}" type="datetime1">
               <a:rPr lang="en-US" smtClean="0"/>
-              <a:t>2/11/22</a:t>
+              <a:t>2/21/22</a:t>
             </a:fld>
             <a:endParaRPr lang="en-US"/>
           </a:p>
@@ -3379,7 +3378,7 @@
           <a:p>
             <a:fld id="{FB96B3D5-7FBF-4843-A13B-7DA34A485965}" type="datetime1">
               <a:rPr lang="en-US" smtClean="0"/>
-              <a:t>2/11/22</a:t>
+              <a:t>2/21/22</a:t>
             </a:fld>
             <a:endParaRPr lang="en-US"/>
           </a:p>
@@ -3495,7 +3494,7 @@
           <a:p>
             <a:fld id="{C825C174-4789-484F-B689-BB38490FDA13}" type="datetime1">
               <a:rPr lang="en-US" smtClean="0"/>
-              <a:t>2/11/22</a:t>
+              <a:t>2/21/22</a:t>
             </a:fld>
             <a:endParaRPr lang="en-US"/>
           </a:p>
@@ -3589,7 +3588,7 @@
           <a:p>
             <a:fld id="{1B3D57FD-8E16-4A1A-886A-C5857FA84A0F}" type="datetime1">
               <a:rPr lang="en-US" smtClean="0"/>
-              <a:t>2/11/22</a:t>
+              <a:t>2/21/22</a:t>
             </a:fld>
             <a:endParaRPr lang="en-US"/>
           </a:p>
@@ -3870,7 +3869,7 @@
           <a:p>
             <a:fld id="{F4E701B5-9C1F-4481-8804-D3BB40A4BA9E}" type="datetime1">
               <a:rPr lang="en-US" smtClean="0"/>
-              <a:t>2/11/22</a:t>
+              <a:t>2/21/22</a:t>
             </a:fld>
             <a:endParaRPr lang="en-US"/>
           </a:p>
@@ -4235,7 +4234,7 @@
           <a:p>
             <a:fld id="{76470376-7853-4E9F-AE39-6A803A2D8137}" type="datetime1">
               <a:rPr lang="en-US" smtClean="0"/>
-              <a:t>2/11/22</a:t>
+              <a:t>2/21/22</a:t>
             </a:fld>
             <a:endParaRPr lang="en-US"/>
           </a:p>
@@ -4664,7 +4663,7 @@
           <a:p>
             <a:fld id="{48F003CF-D46B-4527-B29A-ECE66F71DD33}" type="datetime1">
               <a:rPr lang="en-US" smtClean="0"/>
-              <a:t>2/11/22</a:t>
+              <a:t>2/21/22</a:t>
             </a:fld>
             <a:endParaRPr lang="en-US"/>
           </a:p>
@@ -23508,1326 +23507,6 @@
       </p:grpSpPr>
       <p:sp>
         <p:nvSpPr>
-          <p:cNvPr id="1419266" name="Rectangle 2"/>
-          <p:cNvSpPr>
-            <a:spLocks noGrp="1" noChangeArrowheads="1"/>
-          </p:cNvSpPr>
-          <p:nvPr>
-            <p:ph type="title"/>
-          </p:nvPr>
-        </p:nvSpPr>
-        <p:spPr/>
-        <p:txBody>
-          <a:bodyPr/>
-          <a:lstStyle/>
-          <a:p>
-            <a:r>
-              <a:rPr lang="en-US"/>
-              <a:t>SVD - Interpretation #2</a:t>
-            </a:r>
-          </a:p>
-        </p:txBody>
-      </p:sp>
-      <p:sp>
-        <p:nvSpPr>
-          <p:cNvPr id="1419267" name="Rectangle 3"/>
-          <p:cNvSpPr>
-            <a:spLocks noGrp="1" noChangeArrowheads="1"/>
-          </p:cNvSpPr>
-          <p:nvPr>
-            <p:ph idx="1"/>
-          </p:nvPr>
-        </p:nvSpPr>
-        <p:spPr>
-          <a:xfrm>
-            <a:off x="457200" y="1295401"/>
-            <a:ext cx="8229600" cy="2838270"/>
-          </a:xfrm>
-        </p:spPr>
-        <p:txBody>
-          <a:bodyPr/>
-          <a:lstStyle/>
-          <a:p>
-            <a:pPr marL="118872" indent="0">
-              <a:lnSpc>
-                <a:spcPct val="90000"/>
-              </a:lnSpc>
-              <a:buNone/>
-            </a:pPr>
-            <a:r>
-              <a:rPr lang="en-US" sz="3600" b="1" dirty="0">
-                <a:solidFill>
-                  <a:srgbClr val="0000FF"/>
-                </a:solidFill>
-              </a:rPr>
-              <a:t>A = U </a:t>
-            </a:r>
-            <a:r>
-              <a:rPr lang="en-US" sz="3600" b="1" dirty="0">
-                <a:solidFill>
-                  <a:srgbClr val="0000FF"/>
-                </a:solidFill>
-                <a:latin typeface="Symbol" pitchFamily="18" charset="2"/>
-                <a:sym typeface="Symbol"/>
-              </a:rPr>
-              <a:t></a:t>
-            </a:r>
-            <a:r>
-              <a:rPr lang="en-US" sz="3600" b="1" dirty="0">
-                <a:solidFill>
-                  <a:srgbClr val="0000FF"/>
-                </a:solidFill>
-              </a:rPr>
-              <a:t> V</a:t>
-            </a:r>
-            <a:r>
-              <a:rPr lang="en-US" sz="3600" b="1" baseline="30000" dirty="0">
-                <a:solidFill>
-                  <a:srgbClr val="0000FF"/>
-                </a:solidFill>
-              </a:rPr>
-              <a:t>T </a:t>
-            </a:r>
-            <a:r>
-              <a:rPr lang="en-US" sz="3600" b="1" dirty="0">
-                <a:solidFill>
-                  <a:srgbClr val="0000FF"/>
-                </a:solidFill>
-              </a:rPr>
-              <a:t>- example:</a:t>
-            </a:r>
-          </a:p>
-          <a:p>
-            <a:pPr>
-              <a:lnSpc>
-                <a:spcPct val="90000"/>
-              </a:lnSpc>
-            </a:pPr>
-            <a:r>
-              <a:rPr lang="en-US" b="1" dirty="0">
-                <a:solidFill>
-                  <a:srgbClr val="FF0066"/>
-                </a:solidFill>
-              </a:rPr>
-              <a:t>U </a:t>
-            </a:r>
-            <a:r>
-              <a:rPr lang="en-US" b="1" dirty="0">
-                <a:solidFill>
-                  <a:srgbClr val="FF0066"/>
-                </a:solidFill>
-                <a:latin typeface="Symbol" pitchFamily="18" charset="2"/>
-                <a:sym typeface="Symbol"/>
-              </a:rPr>
-              <a:t></a:t>
-            </a:r>
-            <a:r>
-              <a:rPr lang="en-US" dirty="0">
-                <a:solidFill>
-                  <a:srgbClr val="FF0066"/>
-                </a:solidFill>
-                <a:latin typeface="Symbol" pitchFamily="18" charset="2"/>
-                <a:sym typeface="Symbol"/>
-              </a:rPr>
-              <a:t>:</a:t>
-            </a:r>
-            <a:r>
-              <a:rPr lang="en-US" dirty="0">
-                <a:solidFill>
-                  <a:srgbClr val="FF0066"/>
-                </a:solidFill>
-              </a:rPr>
-              <a:t>  </a:t>
-            </a:r>
-            <a:r>
-              <a:rPr lang="en-US" dirty="0"/>
-              <a:t>Gives the coordinates </a:t>
-            </a:r>
-            <a:br>
-              <a:rPr lang="en-US" dirty="0"/>
-            </a:br>
-            <a:r>
-              <a:rPr lang="en-US" dirty="0"/>
-              <a:t>of the points in the </a:t>
-            </a:r>
-            <a:br>
-              <a:rPr lang="en-US" dirty="0"/>
-            </a:br>
-            <a:r>
-              <a:rPr lang="en-US" dirty="0"/>
-              <a:t>projection axis</a:t>
-            </a:r>
-          </a:p>
-          <a:p>
-            <a:pPr lvl="1">
-              <a:lnSpc>
-                <a:spcPct val="90000"/>
-              </a:lnSpc>
-            </a:pPr>
-            <a:endParaRPr lang="en-US" b="1" dirty="0">
-              <a:solidFill>
-                <a:srgbClr val="0000FF"/>
-              </a:solidFill>
-            </a:endParaRPr>
-          </a:p>
-          <a:p>
-            <a:pPr lvl="1">
-              <a:lnSpc>
-                <a:spcPct val="90000"/>
-              </a:lnSpc>
-            </a:pPr>
-            <a:endParaRPr lang="en-US" b="1" dirty="0">
-              <a:solidFill>
-                <a:srgbClr val="0000FF"/>
-              </a:solidFill>
-            </a:endParaRPr>
-          </a:p>
-          <a:p>
-            <a:pPr>
-              <a:lnSpc>
-                <a:spcPct val="90000"/>
-              </a:lnSpc>
-            </a:pPr>
-            <a:endParaRPr lang="en-US" dirty="0">
-              <a:solidFill>
-                <a:schemeClr val="accent2"/>
-              </a:solidFill>
-            </a:endParaRPr>
-          </a:p>
-        </p:txBody>
-      </p:sp>
-      <p:sp>
-        <p:nvSpPr>
-          <p:cNvPr id="23" name="Footer Placeholder 4"/>
-          <p:cNvSpPr>
-            <a:spLocks noGrp="1"/>
-          </p:cNvSpPr>
-          <p:nvPr>
-            <p:ph type="ftr" sz="quarter" idx="11"/>
-          </p:nvPr>
-        </p:nvSpPr>
-        <p:spPr/>
-        <p:txBody>
-          <a:bodyPr/>
-          <a:lstStyle/>
-          <a:p>
-            <a:r>
-              <a:rPr lang="nn-NO"/>
-              <a:t>J. Leskovec, A. Rajaraman, J. Ullman: Mining of Massive Datasets, http://www.mmds.org</a:t>
-            </a:r>
-            <a:endParaRPr lang="en-US"/>
-          </a:p>
-        </p:txBody>
-      </p:sp>
-      <p:sp>
-        <p:nvSpPr>
-          <p:cNvPr id="24" name="Slide Number Placeholder 5"/>
-          <p:cNvSpPr>
-            <a:spLocks noGrp="1"/>
-          </p:cNvSpPr>
-          <p:nvPr>
-            <p:ph type="sldNum" sz="quarter" idx="12"/>
-          </p:nvPr>
-        </p:nvSpPr>
-        <p:spPr/>
-        <p:txBody>
-          <a:bodyPr/>
-          <a:lstStyle/>
-          <a:p>
-            <a:fld id="{C10D871C-DAD0-4A05-938C-1D2D7308A692}" type="slidenum">
-              <a:rPr lang="en-US"/>
-              <a:pPr/>
-              <a:t>23</a:t>
-            </a:fld>
-            <a:endParaRPr lang="en-US"/>
-          </a:p>
-        </p:txBody>
-      </p:sp>
-      <p:grpSp>
-        <p:nvGrpSpPr>
-          <p:cNvPr id="26" name="Group 4"/>
-          <p:cNvGrpSpPr>
-            <a:grpSpLocks/>
-          </p:cNvGrpSpPr>
-          <p:nvPr/>
-        </p:nvGrpSpPr>
-        <p:grpSpPr bwMode="auto">
-          <a:xfrm>
-            <a:off x="6053137" y="1143000"/>
-            <a:ext cx="3548063" cy="2586038"/>
-            <a:chOff x="1104" y="1248"/>
-            <a:chExt cx="3291" cy="2328"/>
-          </a:xfrm>
-        </p:grpSpPr>
-        <p:pic>
-          <p:nvPicPr>
-            <p:cNvPr id="27" name="Picture 5" descr="img54"/>
-            <p:cNvPicPr>
-              <a:picLocks noChangeAspect="1" noChangeArrowheads="1"/>
-            </p:cNvPicPr>
-            <p:nvPr/>
-          </p:nvPicPr>
-          <p:blipFill>
-            <a:blip r:embed="rId2" cstate="print"/>
-            <a:srcRect/>
-            <a:stretch>
-              <a:fillRect/>
-            </a:stretch>
-          </p:blipFill>
-          <p:spPr bwMode="auto">
-            <a:xfrm>
-              <a:off x="1104" y="1248"/>
-              <a:ext cx="3291" cy="2328"/>
-            </a:xfrm>
-            <a:prstGeom prst="rect">
-              <a:avLst/>
-            </a:prstGeom>
-            <a:noFill/>
-          </p:spPr>
-        </p:pic>
-        <p:sp>
-          <p:nvSpPr>
-            <p:cNvPr id="28" name="Line 6"/>
-            <p:cNvSpPr>
-              <a:spLocks noChangeShapeType="1"/>
-            </p:cNvSpPr>
-            <p:nvPr/>
-          </p:nvSpPr>
-          <p:spPr bwMode="auto">
-            <a:xfrm flipV="1">
-              <a:off x="1289" y="2891"/>
-              <a:ext cx="468" cy="435"/>
-            </a:xfrm>
-            <a:prstGeom prst="line">
-              <a:avLst/>
-            </a:prstGeom>
-            <a:noFill/>
-            <a:ln w="57150">
-              <a:solidFill>
-                <a:srgbClr val="FF3300"/>
-              </a:solidFill>
-              <a:round/>
-              <a:headEnd/>
-              <a:tailEnd type="arrow" w="med" len="med"/>
-            </a:ln>
-            <a:effectLst/>
-          </p:spPr>
-          <p:txBody>
-            <a:bodyPr wrap="none" anchor="ctr"/>
-            <a:lstStyle/>
-            <a:p>
-              <a:endParaRPr lang="en-US" b="1">
-                <a:latin typeface="Arial" pitchFamily="34" charset="0"/>
-                <a:cs typeface="Arial" pitchFamily="34" charset="0"/>
-              </a:endParaRPr>
-            </a:p>
-          </p:txBody>
-        </p:sp>
-      </p:grpSp>
-      <p:sp>
-        <p:nvSpPr>
-          <p:cNvPr id="29" name="Line 7"/>
-          <p:cNvSpPr>
-            <a:spLocks noChangeShapeType="1"/>
-          </p:cNvSpPr>
-          <p:nvPr/>
-        </p:nvSpPr>
-        <p:spPr bwMode="auto">
-          <a:xfrm>
-            <a:off x="7433490" y="1768929"/>
-            <a:ext cx="258747" cy="266602"/>
-          </a:xfrm>
-          <a:prstGeom prst="line">
-            <a:avLst/>
-          </a:prstGeom>
-          <a:noFill/>
-          <a:ln w="38100">
-            <a:solidFill>
-              <a:srgbClr val="006600"/>
-            </a:solidFill>
-            <a:round/>
-            <a:headEnd/>
-            <a:tailEnd/>
-          </a:ln>
-          <a:effectLst/>
-        </p:spPr>
-        <p:txBody>
-          <a:bodyPr wrap="none" anchor="ctr"/>
-          <a:lstStyle/>
-          <a:p>
-            <a:endParaRPr lang="en-US" b="1">
-              <a:latin typeface="Arial" pitchFamily="34" charset="0"/>
-              <a:cs typeface="Arial" pitchFamily="34" charset="0"/>
-            </a:endParaRPr>
-          </a:p>
-        </p:txBody>
-      </p:sp>
-      <p:sp>
-        <p:nvSpPr>
-          <p:cNvPr id="30" name="Oval 8"/>
-          <p:cNvSpPr>
-            <a:spLocks noChangeArrowheads="1"/>
-          </p:cNvSpPr>
-          <p:nvPr/>
-        </p:nvSpPr>
-        <p:spPr bwMode="auto">
-          <a:xfrm>
-            <a:off x="7634137" y="1982210"/>
-            <a:ext cx="103499" cy="106641"/>
-          </a:xfrm>
-          <a:prstGeom prst="ellipse">
-            <a:avLst/>
-          </a:prstGeom>
-          <a:noFill/>
-          <a:ln w="57150">
-            <a:solidFill>
-              <a:srgbClr val="006600"/>
-            </a:solidFill>
-            <a:round/>
-            <a:headEnd/>
-            <a:tailEnd/>
-          </a:ln>
-          <a:effectLst/>
-        </p:spPr>
-        <p:txBody>
-          <a:bodyPr wrap="none" anchor="ctr"/>
-          <a:lstStyle/>
-          <a:p>
-            <a:endParaRPr lang="en-US" b="1">
-              <a:latin typeface="Arial" pitchFamily="34" charset="0"/>
-              <a:cs typeface="Arial" pitchFamily="34" charset="0"/>
-            </a:endParaRPr>
-          </a:p>
-        </p:txBody>
-      </p:sp>
-      <p:sp>
-        <p:nvSpPr>
-          <p:cNvPr id="31" name="Text Box 11"/>
-          <p:cNvSpPr txBox="1">
-            <a:spLocks noChangeArrowheads="1"/>
-          </p:cNvSpPr>
-          <p:nvPr/>
-        </p:nvSpPr>
-        <p:spPr bwMode="auto">
-          <a:xfrm>
-            <a:off x="6172944" y="2872252"/>
-            <a:ext cx="405736" cy="369332"/>
-          </a:xfrm>
-          <a:prstGeom prst="rect">
-            <a:avLst/>
-          </a:prstGeom>
-          <a:noFill/>
-          <a:ln w="15875">
-            <a:noFill/>
-            <a:miter lim="800000"/>
-            <a:headEnd type="none" w="sm" len="sm"/>
-            <a:tailEnd/>
-          </a:ln>
-          <a:effectLst/>
-        </p:spPr>
-        <p:txBody>
-          <a:bodyPr wrap="square" anchor="ctr">
-            <a:spAutoFit/>
-          </a:bodyPr>
-          <a:lstStyle/>
-          <a:p>
-            <a:r>
-              <a:rPr lang="en-US" b="1" dirty="0">
-                <a:solidFill>
-                  <a:srgbClr val="0000FF"/>
-                </a:solidFill>
-                <a:latin typeface="Arial" pitchFamily="34" charset="0"/>
-                <a:cs typeface="Arial" pitchFamily="34" charset="0"/>
-              </a:rPr>
-              <a:t>v</a:t>
-            </a:r>
-            <a:r>
-              <a:rPr lang="en-US" b="1" baseline="-25000" dirty="0">
-                <a:solidFill>
-                  <a:srgbClr val="0000FF"/>
-                </a:solidFill>
-                <a:latin typeface="Arial" pitchFamily="34" charset="0"/>
-                <a:cs typeface="Arial" pitchFamily="34" charset="0"/>
-              </a:rPr>
-              <a:t>1</a:t>
-            </a:r>
-          </a:p>
-        </p:txBody>
-      </p:sp>
-      <p:sp>
-        <p:nvSpPr>
-          <p:cNvPr id="32" name="Text Box 12"/>
-          <p:cNvSpPr txBox="1">
-            <a:spLocks noChangeArrowheads="1"/>
-          </p:cNvSpPr>
-          <p:nvPr/>
-        </p:nvSpPr>
-        <p:spPr bwMode="auto">
-          <a:xfrm>
-            <a:off x="8077200" y="1921329"/>
-            <a:ext cx="1219200" cy="830997"/>
-          </a:xfrm>
-          <a:prstGeom prst="rect">
-            <a:avLst/>
-          </a:prstGeom>
-          <a:solidFill>
-            <a:schemeClr val="bg1"/>
-          </a:solidFill>
-          <a:ln w="28575">
-            <a:noFill/>
-            <a:miter lim="800000"/>
-            <a:headEnd type="none" w="sm" len="sm"/>
-            <a:tailEnd/>
-          </a:ln>
-          <a:effectLst/>
-        </p:spPr>
-        <p:txBody>
-          <a:bodyPr wrap="square">
-            <a:spAutoFit/>
-          </a:bodyPr>
-          <a:lstStyle/>
-          <a:p>
-            <a:pPr>
-              <a:spcBef>
-                <a:spcPct val="50000"/>
-              </a:spcBef>
-            </a:pPr>
-            <a:r>
-              <a:rPr lang="en-US" sz="1600" b="1" dirty="0">
-                <a:latin typeface="Arial" pitchFamily="34" charset="0"/>
-                <a:cs typeface="Arial" pitchFamily="34" charset="0"/>
-              </a:rPr>
-              <a:t>first right </a:t>
-            </a:r>
-            <a:br>
-              <a:rPr lang="en-US" sz="1600" b="1" dirty="0">
-                <a:latin typeface="Arial" pitchFamily="34" charset="0"/>
-                <a:cs typeface="Arial" pitchFamily="34" charset="0"/>
-              </a:rPr>
-            </a:br>
-            <a:r>
-              <a:rPr lang="en-US" sz="1600" b="1" dirty="0">
-                <a:latin typeface="Arial" pitchFamily="34" charset="0"/>
-                <a:cs typeface="Arial" pitchFamily="34" charset="0"/>
-              </a:rPr>
-              <a:t>singular vector</a:t>
-            </a:r>
-          </a:p>
-        </p:txBody>
-      </p:sp>
-      <p:sp>
-        <p:nvSpPr>
-          <p:cNvPr id="33" name="TextBox 32"/>
-          <p:cNvSpPr txBox="1"/>
-          <p:nvPr/>
-        </p:nvSpPr>
-        <p:spPr>
-          <a:xfrm>
-            <a:off x="7005637" y="3505200"/>
-            <a:ext cx="2095500" cy="338554"/>
-          </a:xfrm>
-          <a:prstGeom prst="rect">
-            <a:avLst/>
-          </a:prstGeom>
-          <a:solidFill>
-            <a:schemeClr val="bg1"/>
-          </a:solidFill>
-        </p:spPr>
-        <p:txBody>
-          <a:bodyPr wrap="square" rtlCol="0">
-            <a:spAutoFit/>
-          </a:bodyPr>
-          <a:lstStyle/>
-          <a:p>
-            <a:r>
-              <a:rPr lang="en-US" sz="1600" b="1" dirty="0">
-                <a:solidFill>
-                  <a:srgbClr val="008000"/>
-                </a:solidFill>
-                <a:latin typeface="Arial" pitchFamily="34" charset="0"/>
-                <a:cs typeface="Arial" pitchFamily="34" charset="0"/>
-              </a:rPr>
-              <a:t>Movie 1 rating</a:t>
-            </a:r>
-          </a:p>
-        </p:txBody>
-      </p:sp>
-      <p:sp>
-        <p:nvSpPr>
-          <p:cNvPr id="34" name="TextBox 33"/>
-          <p:cNvSpPr txBox="1"/>
-          <p:nvPr/>
-        </p:nvSpPr>
-        <p:spPr>
-          <a:xfrm rot="16200000">
-            <a:off x="5040252" y="1999308"/>
-            <a:ext cx="2051169" cy="338554"/>
-          </a:xfrm>
-          <a:prstGeom prst="rect">
-            <a:avLst/>
-          </a:prstGeom>
-          <a:solidFill>
-            <a:schemeClr val="bg1"/>
-          </a:solidFill>
-        </p:spPr>
-        <p:txBody>
-          <a:bodyPr wrap="square" rtlCol="0">
-            <a:spAutoFit/>
-          </a:bodyPr>
-          <a:lstStyle/>
-          <a:p>
-            <a:r>
-              <a:rPr lang="en-US" sz="1600" b="1" dirty="0">
-                <a:solidFill>
-                  <a:srgbClr val="008000"/>
-                </a:solidFill>
-                <a:latin typeface="Arial" pitchFamily="34" charset="0"/>
-                <a:cs typeface="Arial" pitchFamily="34" charset="0"/>
-              </a:rPr>
-              <a:t>Movie 2 rating</a:t>
-            </a:r>
-          </a:p>
-        </p:txBody>
-      </p:sp>
-      <p:grpSp>
-        <p:nvGrpSpPr>
-          <p:cNvPr id="3" name="Group 2"/>
-          <p:cNvGrpSpPr/>
-          <p:nvPr/>
-        </p:nvGrpSpPr>
-        <p:grpSpPr>
-          <a:xfrm>
-            <a:off x="228600" y="3494544"/>
-            <a:ext cx="8763000" cy="3297912"/>
-            <a:chOff x="228600" y="3494544"/>
-            <a:chExt cx="8763000" cy="3297912"/>
-          </a:xfrm>
-        </p:grpSpPr>
-        <p:sp>
-          <p:nvSpPr>
-            <p:cNvPr id="35" name="Freeform 8"/>
-            <p:cNvSpPr>
-              <a:spLocks/>
-            </p:cNvSpPr>
-            <p:nvPr/>
-          </p:nvSpPr>
-          <p:spPr bwMode="auto">
-            <a:xfrm>
-              <a:off x="265176" y="3494544"/>
-              <a:ext cx="228600" cy="2590800"/>
-            </a:xfrm>
-            <a:custGeom>
-              <a:avLst/>
-              <a:gdLst/>
-              <a:ahLst/>
-              <a:cxnLst>
-                <a:cxn ang="0">
-                  <a:pos x="264" y="0"/>
-                </a:cxn>
-                <a:cxn ang="0">
-                  <a:pos x="0" y="12"/>
-                </a:cxn>
-                <a:cxn ang="0">
-                  <a:pos x="0" y="2220"/>
-                </a:cxn>
-                <a:cxn ang="0">
-                  <a:pos x="228" y="2220"/>
-                </a:cxn>
-              </a:cxnLst>
-              <a:rect l="0" t="0" r="r" b="b"/>
-              <a:pathLst>
-                <a:path w="264" h="2220">
-                  <a:moveTo>
-                    <a:pt x="264" y="0"/>
-                  </a:moveTo>
-                  <a:lnTo>
-                    <a:pt x="0" y="12"/>
-                  </a:lnTo>
-                  <a:lnTo>
-                    <a:pt x="0" y="2220"/>
-                  </a:lnTo>
-                  <a:lnTo>
-                    <a:pt x="228" y="2220"/>
-                  </a:lnTo>
-                </a:path>
-              </a:pathLst>
-            </a:custGeom>
-            <a:noFill/>
-            <a:ln w="38100" cap="flat" cmpd="sng">
-              <a:solidFill>
-                <a:schemeClr val="tx1"/>
-              </a:solidFill>
-              <a:prstDash val="solid"/>
-              <a:round/>
-              <a:headEnd type="none" w="sm" len="sm"/>
-              <a:tailEnd type="none" w="med" len="med"/>
-            </a:ln>
-            <a:effectLst/>
-          </p:spPr>
-          <p:txBody>
-            <a:bodyPr wrap="none" anchor="ctr"/>
-            <a:lstStyle/>
-            <a:p>
-              <a:endParaRPr lang="en-US"/>
-            </a:p>
-          </p:txBody>
-        </p:sp>
-        <p:sp>
-          <p:nvSpPr>
-            <p:cNvPr id="36" name="Freeform 11"/>
-            <p:cNvSpPr>
-              <a:spLocks/>
-            </p:cNvSpPr>
-            <p:nvPr/>
-          </p:nvSpPr>
-          <p:spPr bwMode="auto">
-            <a:xfrm flipH="1">
-              <a:off x="1926336" y="3494544"/>
-              <a:ext cx="228600" cy="2590800"/>
-            </a:xfrm>
-            <a:custGeom>
-              <a:avLst/>
-              <a:gdLst/>
-              <a:ahLst/>
-              <a:cxnLst>
-                <a:cxn ang="0">
-                  <a:pos x="264" y="0"/>
-                </a:cxn>
-                <a:cxn ang="0">
-                  <a:pos x="0" y="12"/>
-                </a:cxn>
-                <a:cxn ang="0">
-                  <a:pos x="0" y="2220"/>
-                </a:cxn>
-                <a:cxn ang="0">
-                  <a:pos x="228" y="2220"/>
-                </a:cxn>
-              </a:cxnLst>
-              <a:rect l="0" t="0" r="r" b="b"/>
-              <a:pathLst>
-                <a:path w="264" h="2220">
-                  <a:moveTo>
-                    <a:pt x="264" y="0"/>
-                  </a:moveTo>
-                  <a:lnTo>
-                    <a:pt x="0" y="12"/>
-                  </a:lnTo>
-                  <a:lnTo>
-                    <a:pt x="0" y="2220"/>
-                  </a:lnTo>
-                  <a:lnTo>
-                    <a:pt x="228" y="2220"/>
-                  </a:lnTo>
-                </a:path>
-              </a:pathLst>
-            </a:custGeom>
-            <a:noFill/>
-            <a:ln w="38100" cap="flat" cmpd="sng">
-              <a:solidFill>
-                <a:schemeClr val="tx1"/>
-              </a:solidFill>
-              <a:prstDash val="solid"/>
-              <a:round/>
-              <a:headEnd type="none" w="sm" len="sm"/>
-              <a:tailEnd type="none" w="med" len="med"/>
-            </a:ln>
-            <a:effectLst/>
-          </p:spPr>
-          <p:txBody>
-            <a:bodyPr wrap="none" anchor="ctr"/>
-            <a:lstStyle/>
-            <a:p>
-              <a:endParaRPr lang="en-US"/>
-            </a:p>
-          </p:txBody>
-        </p:sp>
-        <p:sp>
-          <p:nvSpPr>
-            <p:cNvPr id="47" name="Freeform 36"/>
-            <p:cNvSpPr>
-              <a:spLocks/>
-            </p:cNvSpPr>
-            <p:nvPr/>
-          </p:nvSpPr>
-          <p:spPr bwMode="auto">
-            <a:xfrm>
-              <a:off x="6019800" y="4160823"/>
-              <a:ext cx="135047" cy="2536562"/>
-            </a:xfrm>
-            <a:custGeom>
-              <a:avLst/>
-              <a:gdLst/>
-              <a:ahLst/>
-              <a:cxnLst>
-                <a:cxn ang="0">
-                  <a:pos x="264" y="0"/>
-                </a:cxn>
-                <a:cxn ang="0">
-                  <a:pos x="0" y="12"/>
-                </a:cxn>
-                <a:cxn ang="0">
-                  <a:pos x="0" y="2220"/>
-                </a:cxn>
-                <a:cxn ang="0">
-                  <a:pos x="228" y="2220"/>
-                </a:cxn>
-              </a:cxnLst>
-              <a:rect l="0" t="0" r="r" b="b"/>
-              <a:pathLst>
-                <a:path w="264" h="2220">
-                  <a:moveTo>
-                    <a:pt x="264" y="0"/>
-                  </a:moveTo>
-                  <a:lnTo>
-                    <a:pt x="0" y="12"/>
-                  </a:lnTo>
-                  <a:lnTo>
-                    <a:pt x="0" y="2220"/>
-                  </a:lnTo>
-                  <a:lnTo>
-                    <a:pt x="228" y="2220"/>
-                  </a:lnTo>
-                </a:path>
-              </a:pathLst>
-            </a:custGeom>
-            <a:noFill/>
-            <a:ln w="38100" cap="flat" cmpd="sng">
-              <a:solidFill>
-                <a:schemeClr val="tx1"/>
-              </a:solidFill>
-              <a:prstDash val="solid"/>
-              <a:round/>
-              <a:headEnd type="none" w="sm" len="sm"/>
-              <a:tailEnd type="none" w="med" len="med"/>
-            </a:ln>
-            <a:effectLst/>
-          </p:spPr>
-          <p:txBody>
-            <a:bodyPr wrap="none" anchor="ctr"/>
-            <a:lstStyle/>
-            <a:p>
-              <a:endParaRPr lang="en-US">
-                <a:solidFill>
-                  <a:srgbClr val="008000"/>
-                </a:solidFill>
-              </a:endParaRPr>
-            </a:p>
-          </p:txBody>
-        </p:sp>
-        <p:sp>
-          <p:nvSpPr>
-            <p:cNvPr id="48" name="Freeform 37"/>
-            <p:cNvSpPr>
-              <a:spLocks/>
-            </p:cNvSpPr>
-            <p:nvPr/>
-          </p:nvSpPr>
-          <p:spPr bwMode="auto">
-            <a:xfrm flipH="1">
-              <a:off x="8382000" y="4160823"/>
-              <a:ext cx="152400" cy="2536562"/>
-            </a:xfrm>
-            <a:custGeom>
-              <a:avLst/>
-              <a:gdLst/>
-              <a:ahLst/>
-              <a:cxnLst>
-                <a:cxn ang="0">
-                  <a:pos x="264" y="0"/>
-                </a:cxn>
-                <a:cxn ang="0">
-                  <a:pos x="0" y="12"/>
-                </a:cxn>
-                <a:cxn ang="0">
-                  <a:pos x="0" y="2220"/>
-                </a:cxn>
-                <a:cxn ang="0">
-                  <a:pos x="228" y="2220"/>
-                </a:cxn>
-              </a:cxnLst>
-              <a:rect l="0" t="0" r="r" b="b"/>
-              <a:pathLst>
-                <a:path w="264" h="2220">
-                  <a:moveTo>
-                    <a:pt x="264" y="0"/>
-                  </a:moveTo>
-                  <a:lnTo>
-                    <a:pt x="0" y="12"/>
-                  </a:lnTo>
-                  <a:lnTo>
-                    <a:pt x="0" y="2220"/>
-                  </a:lnTo>
-                  <a:lnTo>
-                    <a:pt x="228" y="2220"/>
-                  </a:lnTo>
-                </a:path>
-              </a:pathLst>
-            </a:custGeom>
-            <a:noFill/>
-            <a:ln w="38100" cap="flat" cmpd="sng">
-              <a:solidFill>
-                <a:schemeClr val="tx1"/>
-              </a:solidFill>
-              <a:prstDash val="solid"/>
-              <a:round/>
-              <a:headEnd type="none" w="sm" len="sm"/>
-              <a:tailEnd type="none" w="med" len="med"/>
-            </a:ln>
-            <a:effectLst/>
-          </p:spPr>
-          <p:txBody>
-            <a:bodyPr wrap="none" anchor="ctr"/>
-            <a:lstStyle/>
-            <a:p>
-              <a:endParaRPr lang="en-US"/>
-            </a:p>
-          </p:txBody>
-        </p:sp>
-        <p:sp>
-          <p:nvSpPr>
-            <p:cNvPr id="49" name="Rectangle 48"/>
-            <p:cNvSpPr/>
-            <p:nvPr/>
-          </p:nvSpPr>
-          <p:spPr>
-            <a:xfrm>
-              <a:off x="228600" y="3494544"/>
-              <a:ext cx="1984528" cy="2677656"/>
-            </a:xfrm>
-            <a:prstGeom prst="rect">
-              <a:avLst/>
-            </a:prstGeom>
-          </p:spPr>
-          <p:txBody>
-            <a:bodyPr wrap="square">
-              <a:spAutoFit/>
-            </a:bodyPr>
-            <a:lstStyle/>
-            <a:p>
-              <a:pPr algn="ctr"/>
-              <a:r>
-                <a:rPr lang="en-US" sz="2400" b="1" dirty="0">
-                  <a:latin typeface="Times New Roman" pitchFamily="18" charset="0"/>
-                  <a:cs typeface="Times New Roman" pitchFamily="18" charset="0"/>
-                </a:rPr>
-                <a:t>1   1   1</a:t>
-              </a:r>
-              <a:r>
-                <a:rPr lang="en-US" sz="2400" dirty="0">
-                  <a:latin typeface="Times New Roman" pitchFamily="18" charset="0"/>
-                  <a:cs typeface="Times New Roman" pitchFamily="18" charset="0"/>
-                </a:rPr>
-                <a:t>   0   0</a:t>
-              </a:r>
-            </a:p>
-            <a:p>
-              <a:pPr algn="ctr"/>
-              <a:r>
-                <a:rPr lang="en-US" sz="2400" b="1" dirty="0">
-                  <a:latin typeface="Times New Roman" pitchFamily="18" charset="0"/>
-                  <a:cs typeface="Times New Roman" pitchFamily="18" charset="0"/>
-                </a:rPr>
-                <a:t>3   3   3</a:t>
-              </a:r>
-              <a:r>
-                <a:rPr lang="en-US" sz="2400" dirty="0">
-                  <a:latin typeface="Times New Roman" pitchFamily="18" charset="0"/>
-                  <a:cs typeface="Times New Roman" pitchFamily="18" charset="0"/>
-                </a:rPr>
-                <a:t>   0   0</a:t>
-              </a:r>
-            </a:p>
-            <a:p>
-              <a:pPr algn="ctr"/>
-              <a:r>
-                <a:rPr lang="en-US" sz="2400" b="1" dirty="0">
-                  <a:latin typeface="Times New Roman" pitchFamily="18" charset="0"/>
-                  <a:cs typeface="Times New Roman" pitchFamily="18" charset="0"/>
-                </a:rPr>
-                <a:t>4   4   4</a:t>
-              </a:r>
-              <a:r>
-                <a:rPr lang="en-US" sz="2400" dirty="0">
-                  <a:latin typeface="Times New Roman" pitchFamily="18" charset="0"/>
-                  <a:cs typeface="Times New Roman" pitchFamily="18" charset="0"/>
-                </a:rPr>
-                <a:t>   0   0</a:t>
-              </a:r>
-            </a:p>
-            <a:p>
-              <a:pPr algn="ctr"/>
-              <a:r>
-                <a:rPr lang="en-US" sz="2400" b="1" dirty="0">
-                  <a:latin typeface="Times New Roman" pitchFamily="18" charset="0"/>
-                  <a:cs typeface="Times New Roman" pitchFamily="18" charset="0"/>
-                </a:rPr>
-                <a:t>5   5   5</a:t>
-              </a:r>
-              <a:r>
-                <a:rPr lang="en-US" sz="2400" dirty="0">
-                  <a:latin typeface="Times New Roman" pitchFamily="18" charset="0"/>
-                  <a:cs typeface="Times New Roman" pitchFamily="18" charset="0"/>
-                </a:rPr>
-                <a:t>   0   0</a:t>
-              </a:r>
-            </a:p>
-            <a:p>
-              <a:pPr algn="ctr"/>
-              <a:r>
-                <a:rPr lang="en-US" sz="2400" dirty="0">
-                  <a:latin typeface="Times New Roman" pitchFamily="18" charset="0"/>
-                  <a:cs typeface="Times New Roman" pitchFamily="18" charset="0"/>
-                </a:rPr>
-                <a:t>0   </a:t>
-              </a:r>
-              <a:r>
-                <a:rPr lang="en-US" sz="2400" b="1" dirty="0">
-                  <a:latin typeface="Times New Roman" pitchFamily="18" charset="0"/>
-                  <a:cs typeface="Times New Roman" pitchFamily="18" charset="0"/>
-                </a:rPr>
-                <a:t>2</a:t>
-              </a:r>
-              <a:r>
-                <a:rPr lang="en-US" sz="2400" dirty="0">
-                  <a:latin typeface="Times New Roman" pitchFamily="18" charset="0"/>
-                  <a:cs typeface="Times New Roman" pitchFamily="18" charset="0"/>
-                </a:rPr>
-                <a:t>   0   </a:t>
-              </a:r>
-              <a:r>
-                <a:rPr lang="en-US" sz="2400" b="1" dirty="0">
-                  <a:latin typeface="Times New Roman" pitchFamily="18" charset="0"/>
-                  <a:cs typeface="Times New Roman" pitchFamily="18" charset="0"/>
-                </a:rPr>
-                <a:t>4   4</a:t>
-              </a:r>
-            </a:p>
-            <a:p>
-              <a:pPr algn="ctr"/>
-              <a:r>
-                <a:rPr lang="en-US" sz="2400" dirty="0">
-                  <a:latin typeface="Times New Roman" pitchFamily="18" charset="0"/>
-                  <a:cs typeface="Times New Roman" pitchFamily="18" charset="0"/>
-                </a:rPr>
-                <a:t>0   0   0   </a:t>
-              </a:r>
-              <a:r>
-                <a:rPr lang="en-US" sz="2400" b="1" dirty="0">
-                  <a:latin typeface="Times New Roman" pitchFamily="18" charset="0"/>
-                  <a:cs typeface="Times New Roman" pitchFamily="18" charset="0"/>
-                </a:rPr>
-                <a:t>5   5</a:t>
-              </a:r>
-            </a:p>
-            <a:p>
-              <a:pPr algn="ctr"/>
-              <a:r>
-                <a:rPr lang="en-US" sz="2400" dirty="0">
-                  <a:latin typeface="Times New Roman" pitchFamily="18" charset="0"/>
-                  <a:cs typeface="Times New Roman" pitchFamily="18" charset="0"/>
-                </a:rPr>
-                <a:t>0   </a:t>
-              </a:r>
-              <a:r>
-                <a:rPr lang="en-US" sz="2400" b="1" dirty="0">
-                  <a:latin typeface="Times New Roman" pitchFamily="18" charset="0"/>
-                  <a:cs typeface="Times New Roman" pitchFamily="18" charset="0"/>
-                </a:rPr>
-                <a:t>1</a:t>
-              </a:r>
-              <a:r>
-                <a:rPr lang="en-US" sz="2400" dirty="0">
-                  <a:latin typeface="Times New Roman" pitchFamily="18" charset="0"/>
-                  <a:cs typeface="Times New Roman" pitchFamily="18" charset="0"/>
-                </a:rPr>
-                <a:t>   0   </a:t>
-              </a:r>
-              <a:r>
-                <a:rPr lang="en-US" sz="2400" b="1" dirty="0">
-                  <a:latin typeface="Times New Roman" pitchFamily="18" charset="0"/>
-                  <a:cs typeface="Times New Roman" pitchFamily="18" charset="0"/>
-                </a:rPr>
-                <a:t>2   2</a:t>
-              </a:r>
-            </a:p>
-          </p:txBody>
-        </p:sp>
-        <p:sp>
-          <p:nvSpPr>
-            <p:cNvPr id="55" name="Rectangle 54"/>
-            <p:cNvSpPr/>
-            <p:nvPr/>
-          </p:nvSpPr>
-          <p:spPr>
-            <a:xfrm>
-              <a:off x="6019800" y="4114800"/>
-              <a:ext cx="2971800" cy="2677656"/>
-            </a:xfrm>
-            <a:prstGeom prst="rect">
-              <a:avLst/>
-            </a:prstGeom>
-          </p:spPr>
-          <p:txBody>
-            <a:bodyPr wrap="square">
-              <a:spAutoFit/>
-            </a:bodyPr>
-            <a:lstStyle/>
-            <a:p>
-              <a:r>
-                <a:rPr lang="en-US" sz="2400" dirty="0">
-                  <a:latin typeface="Times New Roman" pitchFamily="18" charset="0"/>
-                  <a:cs typeface="Times New Roman" pitchFamily="18" charset="0"/>
-                </a:rPr>
-                <a:t>1.61    0.19   -0.01</a:t>
-              </a:r>
-            </a:p>
-            <a:p>
-              <a:r>
-                <a:rPr lang="en-US" sz="2400" dirty="0">
-                  <a:latin typeface="Times New Roman" pitchFamily="18" charset="0"/>
-                  <a:cs typeface="Times New Roman" pitchFamily="18" charset="0"/>
-                </a:rPr>
-                <a:t>5.08    0.66   -0.03</a:t>
-              </a:r>
-            </a:p>
-            <a:p>
-              <a:r>
-                <a:rPr lang="en-US" sz="2400" dirty="0">
-                  <a:latin typeface="Times New Roman" pitchFamily="18" charset="0"/>
-                  <a:cs typeface="Times New Roman" pitchFamily="18" charset="0"/>
-                </a:rPr>
-                <a:t>6.82    0.85   -0.05</a:t>
-              </a:r>
-            </a:p>
-            <a:p>
-              <a:r>
-                <a:rPr lang="en-US" sz="2400" dirty="0">
-                  <a:latin typeface="Times New Roman" pitchFamily="18" charset="0"/>
-                  <a:cs typeface="Times New Roman" pitchFamily="18" charset="0"/>
-                </a:rPr>
-                <a:t>8.43    1.04   -0.06</a:t>
-              </a:r>
-            </a:p>
-            <a:p>
-              <a:r>
-                <a:rPr lang="en-US" sz="2400" dirty="0">
-                  <a:latin typeface="Times New Roman" pitchFamily="18" charset="0"/>
-                  <a:cs typeface="Times New Roman" pitchFamily="18" charset="0"/>
-                </a:rPr>
-                <a:t>1.86   -5.60    0.84</a:t>
-              </a:r>
-            </a:p>
-            <a:p>
-              <a:r>
-                <a:rPr lang="en-US" sz="2400" dirty="0">
-                  <a:latin typeface="Times New Roman" pitchFamily="18" charset="0"/>
-                  <a:cs typeface="Times New Roman" pitchFamily="18" charset="0"/>
-                </a:rPr>
-                <a:t>0.86   -6.93   -0.87</a:t>
-              </a:r>
-            </a:p>
-            <a:p>
-              <a:r>
-                <a:rPr lang="en-US" sz="2400" dirty="0">
-                  <a:latin typeface="Times New Roman" pitchFamily="18" charset="0"/>
-                  <a:cs typeface="Times New Roman" pitchFamily="18" charset="0"/>
-                </a:rPr>
-                <a:t>0.86   -2.75    0.41</a:t>
-              </a:r>
-            </a:p>
-          </p:txBody>
-        </p:sp>
-      </p:grpSp>
-      <p:sp>
-        <p:nvSpPr>
-          <p:cNvPr id="2" name="TextBox 1"/>
-          <p:cNvSpPr txBox="1"/>
-          <p:nvPr/>
-        </p:nvSpPr>
-        <p:spPr>
-          <a:xfrm>
-            <a:off x="2896184" y="3524071"/>
-            <a:ext cx="3000376" cy="1200329"/>
-          </a:xfrm>
-          <a:prstGeom prst="rect">
-            <a:avLst/>
-          </a:prstGeom>
-          <a:noFill/>
-        </p:spPr>
-        <p:txBody>
-          <a:bodyPr wrap="square" rtlCol="0">
-            <a:spAutoFit/>
-          </a:bodyPr>
-          <a:lstStyle/>
-          <a:p>
-            <a:r>
-              <a:rPr lang="en-US" sz="2400" b="1" dirty="0">
-                <a:solidFill>
-                  <a:srgbClr val="008000"/>
-                </a:solidFill>
-                <a:latin typeface="Arial" pitchFamily="34" charset="0"/>
-                <a:cs typeface="Arial" pitchFamily="34" charset="0"/>
-              </a:rPr>
-              <a:t>Projection of users on the “Sci-Fi” axis </a:t>
-            </a:r>
-            <a:r>
-              <a:rPr lang="en-US" sz="2400" b="1" dirty="0">
-                <a:latin typeface="Symbol" pitchFamily="18" charset="2"/>
-                <a:sym typeface="Symbol"/>
-              </a:rPr>
-              <a:t>(</a:t>
-            </a:r>
-            <a:r>
-              <a:rPr lang="en-US" sz="2400" b="1" dirty="0"/>
-              <a:t>U </a:t>
-            </a:r>
-            <a:r>
-              <a:rPr lang="en-US" sz="2400" b="1" dirty="0">
-                <a:latin typeface="Symbol" pitchFamily="18" charset="2"/>
-                <a:sym typeface="Symbol"/>
-              </a:rPr>
-              <a:t>)</a:t>
-            </a:r>
-            <a:r>
-              <a:rPr lang="en-US" sz="2400" b="1" baseline="30000" dirty="0">
-                <a:latin typeface="Symbol" pitchFamily="18" charset="2"/>
-                <a:sym typeface="Symbol"/>
-              </a:rPr>
-              <a:t> T</a:t>
-            </a:r>
-            <a:r>
-              <a:rPr lang="en-US" sz="2400" b="1" dirty="0">
-                <a:solidFill>
-                  <a:srgbClr val="008000"/>
-                </a:solidFill>
-                <a:latin typeface="Arial" pitchFamily="34" charset="0"/>
-                <a:cs typeface="Arial" pitchFamily="34" charset="0"/>
-                <a:sym typeface="Wingdings" pitchFamily="2" charset="2"/>
-              </a:rPr>
-              <a:t>:</a:t>
-            </a:r>
-            <a:endParaRPr lang="en-US" sz="2400" b="1" dirty="0">
-              <a:solidFill>
-                <a:srgbClr val="008000"/>
-              </a:solidFill>
-              <a:latin typeface="Arial" pitchFamily="34" charset="0"/>
-              <a:cs typeface="Arial" pitchFamily="34" charset="0"/>
-            </a:endParaRPr>
-          </a:p>
-        </p:txBody>
-      </p:sp>
-      <p:sp>
-        <p:nvSpPr>
-          <p:cNvPr id="4" name="Rectangle 3"/>
-          <p:cNvSpPr/>
-          <p:nvPr/>
-        </p:nvSpPr>
-        <p:spPr>
-          <a:xfrm>
-            <a:off x="6096000" y="4160823"/>
-            <a:ext cx="636488" cy="2536562"/>
-          </a:xfrm>
-          <a:prstGeom prst="rect">
-            <a:avLst/>
-          </a:prstGeom>
-          <a:ln w="38100">
-            <a:solidFill>
-              <a:srgbClr val="008000"/>
-            </a:solidFill>
-          </a:ln>
-        </p:spPr>
-        <p:style>
-          <a:lnRef idx="1">
-            <a:schemeClr val="dk1"/>
-          </a:lnRef>
-          <a:fillRef idx="0">
-            <a:schemeClr val="dk1"/>
-          </a:fillRef>
-          <a:effectRef idx="0">
-            <a:schemeClr val="dk1"/>
-          </a:effectRef>
-          <a:fontRef idx="minor">
-            <a:schemeClr val="tx1"/>
-          </a:fontRef>
-        </p:style>
-        <p:txBody>
-          <a:bodyPr rtlCol="0" anchor="ctr"/>
-          <a:lstStyle/>
-          <a:p>
-            <a:pPr algn="ctr"/>
-            <a:endParaRPr lang="en-US"/>
-          </a:p>
-        </p:txBody>
-      </p:sp>
-      <p:cxnSp>
-        <p:nvCxnSpPr>
-          <p:cNvPr id="6" name="Straight Arrow Connector 5"/>
-          <p:cNvCxnSpPr/>
-          <p:nvPr/>
-        </p:nvCxnSpPr>
-        <p:spPr>
-          <a:xfrm>
-            <a:off x="5029200" y="4419600"/>
-            <a:ext cx="1036636" cy="533400"/>
-          </a:xfrm>
-          <a:prstGeom prst="straightConnector1">
-            <a:avLst/>
-          </a:prstGeom>
-          <a:ln w="28575">
-            <a:solidFill>
-              <a:srgbClr val="008000"/>
-            </a:solidFill>
-            <a:tailEnd type="arrow"/>
-          </a:ln>
-        </p:spPr>
-        <p:style>
-          <a:lnRef idx="1">
-            <a:schemeClr val="dk1"/>
-          </a:lnRef>
-          <a:fillRef idx="0">
-            <a:schemeClr val="dk1"/>
-          </a:fillRef>
-          <a:effectRef idx="0">
-            <a:schemeClr val="dk1"/>
-          </a:effectRef>
-          <a:fontRef idx="minor">
-            <a:schemeClr val="tx1"/>
-          </a:fontRef>
-        </p:style>
-      </p:cxnSp>
-    </p:spTree>
-    <p:extLst>
-      <p:ext uri="{BB962C8B-B14F-4D97-AF65-F5344CB8AC3E}">
-        <p14:creationId xmlns:p14="http://schemas.microsoft.com/office/powerpoint/2010/main" val="119601646"/>
-      </p:ext>
-    </p:extLst>
-  </p:cSld>
-  <p:clrMapOvr>
-    <a:masterClrMapping/>
-  </p:clrMapOvr>
-  <p:transition/>
-</p:sld>
-</file>
-
-<file path=ppt/slides/slide24.xml><?xml version="1.0" encoding="utf-8"?>
-<p:sld xmlns:a="http://schemas.openxmlformats.org/drawingml/2006/main" xmlns:r="http://schemas.openxmlformats.org/officeDocument/2006/relationships" xmlns:p="http://schemas.openxmlformats.org/presentationml/2006/main">
-  <p:cSld>
-    <p:spTree>
-      <p:nvGrpSpPr>
-        <p:cNvPr id="1" name=""/>
-        <p:cNvGrpSpPr/>
-        <p:nvPr/>
-      </p:nvGrpSpPr>
-      <p:grpSpPr>
-        <a:xfrm>
-          <a:off x="0" y="0"/>
-          <a:ext cx="0" cy="0"/>
-          <a:chOff x="0" y="0"/>
-          <a:chExt cx="0" cy="0"/>
-        </a:xfrm>
-      </p:grpSpPr>
-      <p:sp>
-        <p:nvSpPr>
           <p:cNvPr id="1423362" name="Rectangle 2"/>
           <p:cNvSpPr>
             <a:spLocks noGrp="1" noChangeArrowheads="1"/>
@@ -24948,7 +23627,7 @@
             <a:fld id="{288EFEB7-45B7-4865-8B6A-776BB49F2829}" type="slidenum">
               <a:rPr lang="en-US"/>
               <a:pPr/>
-              <a:t>24</a:t>
+              <a:t>23</a:t>
             </a:fld>
             <a:endParaRPr lang="en-US"/>
           </a:p>
@@ -26182,7 +24861,7 @@
 </p:sld>
 </file>
 
-<file path=ppt/slides/slide25.xml><?xml version="1.0" encoding="utf-8"?>
+<file path=ppt/slides/slide24.xml><?xml version="1.0" encoding="utf-8"?>
 <p:sld xmlns:a="http://schemas.openxmlformats.org/drawingml/2006/main" xmlns:r="http://schemas.openxmlformats.org/officeDocument/2006/relationships" xmlns:p="http://schemas.openxmlformats.org/presentationml/2006/main">
   <p:cSld>
     <p:spTree>
@@ -26337,7 +25016,7 @@
             <a:fld id="{288EFEB7-45B7-4865-8B6A-776BB49F2829}" type="slidenum">
               <a:rPr lang="en-US"/>
               <a:pPr/>
-              <a:t>25</a:t>
+              <a:t>24</a:t>
             </a:fld>
             <a:endParaRPr lang="en-US"/>
           </a:p>
@@ -27656,7 +26335,7 @@
 </p:sld>
 </file>
 
-<file path=ppt/slides/slide26.xml><?xml version="1.0" encoding="utf-8"?>
+<file path=ppt/slides/slide25.xml><?xml version="1.0" encoding="utf-8"?>
 <p:sld xmlns:a="http://schemas.openxmlformats.org/drawingml/2006/main" xmlns:r="http://schemas.openxmlformats.org/officeDocument/2006/relationships" xmlns:p="http://schemas.openxmlformats.org/presentationml/2006/main">
   <p:cSld>
     <p:spTree>
@@ -27811,7 +26490,7 @@
             <a:fld id="{288EFEB7-45B7-4865-8B6A-776BB49F2829}" type="slidenum">
               <a:rPr lang="en-US"/>
               <a:pPr/>
-              <a:t>26</a:t>
+              <a:t>25</a:t>
             </a:fld>
             <a:endParaRPr lang="en-US"/>
           </a:p>
@@ -29136,7 +27815,7 @@
 </p:sld>
 </file>
 
-<file path=ppt/slides/slide27.xml><?xml version="1.0" encoding="utf-8"?>
+<file path=ppt/slides/slide26.xml><?xml version="1.0" encoding="utf-8"?>
 <p:sld xmlns:a="http://schemas.openxmlformats.org/drawingml/2006/main" xmlns:r="http://schemas.openxmlformats.org/officeDocument/2006/relationships" xmlns:p="http://schemas.openxmlformats.org/presentationml/2006/main">
   <p:cSld>
     <p:spTree>
@@ -29291,7 +27970,7 @@
             <a:fld id="{288EFEB7-45B7-4865-8B6A-776BB49F2829}" type="slidenum">
               <a:rPr lang="en-US"/>
               <a:pPr/>
-              <a:t>27</a:t>
+              <a:t>26</a:t>
             </a:fld>
             <a:endParaRPr lang="en-US"/>
           </a:p>
@@ -30786,7 +29465,7 @@
 </p:sld>
 </file>
 
-<file path=ppt/slides/slide28.xml><?xml version="1.0" encoding="utf-8"?>
+<file path=ppt/slides/slide27.xml><?xml version="1.0" encoding="utf-8"?>
 <p:sld xmlns:a="http://schemas.openxmlformats.org/drawingml/2006/main" xmlns:r="http://schemas.openxmlformats.org/officeDocument/2006/relationships" xmlns:p="http://schemas.openxmlformats.org/presentationml/2006/main">
   <p:cSld>
     <p:spTree>
@@ -30941,7 +29620,7 @@
             <a:fld id="{288EFEB7-45B7-4865-8B6A-776BB49F2829}" type="slidenum">
               <a:rPr lang="en-US"/>
               <a:pPr/>
-              <a:t>28</a:t>
+              <a:t>27</a:t>
             </a:fld>
             <a:endParaRPr lang="en-US"/>
           </a:p>
@@ -32200,7 +30879,7 @@
 </p:sld>
 </file>
 
-<file path=ppt/slides/slide29.xml><?xml version="1.0" encoding="utf-8"?>
+<file path=ppt/slides/slide28.xml><?xml version="1.0" encoding="utf-8"?>
 <p:sld xmlns:a="http://schemas.openxmlformats.org/drawingml/2006/main" xmlns:r="http://schemas.openxmlformats.org/officeDocument/2006/relationships" xmlns:p="http://schemas.openxmlformats.org/presentationml/2006/main">
   <p:cSld>
     <p:spTree>
@@ -32332,7 +31011,7 @@
             <a:fld id="{288EFEB7-45B7-4865-8B6A-776BB49F2829}" type="slidenum">
               <a:rPr lang="en-US"/>
               <a:pPr/>
-              <a:t>29</a:t>
+              <a:t>28</a:t>
             </a:fld>
             <a:endParaRPr lang="en-US"/>
           </a:p>
@@ -33923,316 +32602,7 @@
 </p:sld>
 </file>
 
-<file path=ppt/slides/slide3.xml><?xml version="1.0" encoding="utf-8"?>
-<p:sld xmlns:a="http://schemas.openxmlformats.org/drawingml/2006/main" xmlns:r="http://schemas.openxmlformats.org/officeDocument/2006/relationships" xmlns:p="http://schemas.openxmlformats.org/presentationml/2006/main">
-  <p:cSld>
-    <p:spTree>
-      <p:nvGrpSpPr>
-        <p:cNvPr id="1" name=""/>
-        <p:cNvGrpSpPr/>
-        <p:nvPr/>
-      </p:nvGrpSpPr>
-      <p:grpSpPr>
-        <a:xfrm>
-          <a:off x="0" y="0"/>
-          <a:ext cx="0" cy="0"/>
-          <a:chOff x="0" y="0"/>
-          <a:chExt cx="0" cy="0"/>
-        </a:xfrm>
-      </p:grpSpPr>
-      <p:sp>
-        <p:nvSpPr>
-          <p:cNvPr id="1402882" name="Rectangle 2"/>
-          <p:cNvSpPr>
-            <a:spLocks noGrp="1" noChangeArrowheads="1"/>
-          </p:cNvSpPr>
-          <p:nvPr>
-            <p:ph type="title"/>
-          </p:nvPr>
-        </p:nvSpPr>
-        <p:spPr/>
-        <p:txBody>
-          <a:bodyPr/>
-          <a:lstStyle/>
-          <a:p>
-            <a:r>
-              <a:rPr lang="en-US" dirty="0"/>
-              <a:t>Dimensionality Reduction</a:t>
-            </a:r>
-          </a:p>
-        </p:txBody>
-      </p:sp>
-      <p:sp>
-        <p:nvSpPr>
-          <p:cNvPr id="1402883" name="Rectangle 3"/>
-          <p:cNvSpPr>
-            <a:spLocks noGrp="1" noChangeArrowheads="1"/>
-          </p:cNvSpPr>
-          <p:nvPr>
-            <p:ph idx="1"/>
-          </p:nvPr>
-        </p:nvSpPr>
-        <p:spPr/>
-        <p:txBody>
-          <a:bodyPr>
-            <a:normAutofit/>
-          </a:bodyPr>
-          <a:lstStyle/>
-          <a:p>
-            <a:r>
-              <a:rPr lang="en-US" b="1" dirty="0">
-                <a:solidFill>
-                  <a:srgbClr val="D60093"/>
-                </a:solidFill>
-              </a:rPr>
-              <a:t>Compress / reduce dimensionality:</a:t>
-            </a:r>
-          </a:p>
-          <a:p>
-            <a:pPr lvl="1"/>
-            <a:r>
-              <a:rPr lang="en-US" dirty="0"/>
-              <a:t>10</a:t>
-            </a:r>
-            <a:r>
-              <a:rPr lang="en-US" baseline="30000" dirty="0"/>
-              <a:t>6</a:t>
-            </a:r>
-            <a:r>
-              <a:rPr lang="en-US" dirty="0"/>
-              <a:t> rows; 10</a:t>
-            </a:r>
-            <a:r>
-              <a:rPr lang="en-US" baseline="30000" dirty="0"/>
-              <a:t>3</a:t>
-            </a:r>
-            <a:r>
-              <a:rPr lang="en-US" dirty="0"/>
-              <a:t> columns; no updates</a:t>
-            </a:r>
-          </a:p>
-          <a:p>
-            <a:pPr lvl="1"/>
-            <a:r>
-              <a:rPr lang="en-US" dirty="0"/>
-              <a:t>Random access to any cell(s); </a:t>
-            </a:r>
-            <a:r>
-              <a:rPr lang="en-US" b="1" dirty="0"/>
-              <a:t>small error: OK</a:t>
-            </a:r>
-          </a:p>
-        </p:txBody>
-      </p:sp>
-      <p:sp>
-        <p:nvSpPr>
-          <p:cNvPr id="9" name="Footer Placeholder 4"/>
-          <p:cNvSpPr>
-            <a:spLocks noGrp="1"/>
-          </p:cNvSpPr>
-          <p:nvPr>
-            <p:ph type="ftr" sz="quarter" idx="11"/>
-          </p:nvPr>
-        </p:nvSpPr>
-        <p:spPr/>
-        <p:txBody>
-          <a:bodyPr/>
-          <a:lstStyle/>
-          <a:p>
-            <a:r>
-              <a:rPr lang="nn-NO"/>
-              <a:t>J. Leskovec, A. Rajaraman, J. Ullman: Mining of Massive Datasets, http://www.mmds.org</a:t>
-            </a:r>
-            <a:endParaRPr lang="en-US"/>
-          </a:p>
-        </p:txBody>
-      </p:sp>
-      <p:sp>
-        <p:nvSpPr>
-          <p:cNvPr id="10" name="Slide Number Placeholder 5"/>
-          <p:cNvSpPr>
-            <a:spLocks noGrp="1"/>
-          </p:cNvSpPr>
-          <p:nvPr>
-            <p:ph type="sldNum" sz="quarter" idx="12"/>
-          </p:nvPr>
-        </p:nvSpPr>
-        <p:spPr/>
-        <p:txBody>
-          <a:bodyPr/>
-          <a:lstStyle/>
-          <a:p>
-            <a:fld id="{35217FC2-B8CA-4B62-A7C7-342DAD8411DE}" type="slidenum">
-              <a:rPr lang="en-US"/>
-              <a:pPr/>
-              <a:t>3</a:t>
-            </a:fld>
-            <a:endParaRPr lang="en-US"/>
-          </a:p>
-        </p:txBody>
-      </p:sp>
-      <p:grpSp>
-        <p:nvGrpSpPr>
-          <p:cNvPr id="2" name="Group 4"/>
-          <p:cNvGrpSpPr>
-            <a:grpSpLocks/>
-          </p:cNvGrpSpPr>
-          <p:nvPr/>
-        </p:nvGrpSpPr>
-        <p:grpSpPr bwMode="auto">
-          <a:xfrm>
-            <a:off x="1219200" y="3048000"/>
-            <a:ext cx="6248400" cy="2381250"/>
-            <a:chOff x="576" y="2208"/>
-            <a:chExt cx="3936" cy="1500"/>
-          </a:xfrm>
-        </p:grpSpPr>
-        <p:pic>
-          <p:nvPicPr>
-            <p:cNvPr id="1402885" name="Picture 5" descr="img7"/>
-            <p:cNvPicPr>
-              <a:picLocks noChangeAspect="1" noChangeArrowheads="1"/>
-            </p:cNvPicPr>
-            <p:nvPr/>
-          </p:nvPicPr>
-          <p:blipFill>
-            <a:blip r:embed="rId2" cstate="print"/>
-            <a:srcRect/>
-            <a:stretch>
-              <a:fillRect/>
-            </a:stretch>
-          </p:blipFill>
-          <p:spPr bwMode="auto">
-            <a:xfrm>
-              <a:off x="576" y="2208"/>
-              <a:ext cx="3936" cy="1500"/>
-            </a:xfrm>
-            <a:prstGeom prst="rect">
-              <a:avLst/>
-            </a:prstGeom>
-            <a:noFill/>
-          </p:spPr>
-        </p:pic>
-        <p:sp>
-          <p:nvSpPr>
-            <p:cNvPr id="1402886" name="Rectangle 6"/>
-            <p:cNvSpPr>
-              <a:spLocks noChangeArrowheads="1"/>
-            </p:cNvSpPr>
-            <p:nvPr/>
-          </p:nvSpPr>
-          <p:spPr bwMode="auto">
-            <a:xfrm>
-              <a:off x="2880" y="2880"/>
-              <a:ext cx="240" cy="144"/>
-            </a:xfrm>
-            <a:prstGeom prst="rect">
-              <a:avLst/>
-            </a:prstGeom>
-            <a:noFill/>
-            <a:ln w="28575">
-              <a:solidFill>
-                <a:srgbClr val="FF3300"/>
-              </a:solidFill>
-              <a:miter lim="800000"/>
-              <a:headEnd/>
-              <a:tailEnd/>
-            </a:ln>
-            <a:effectLst/>
-          </p:spPr>
-          <p:txBody>
-            <a:bodyPr wrap="none" anchor="ctr"/>
-            <a:lstStyle/>
-            <a:p>
-              <a:endParaRPr lang="en-US"/>
-            </a:p>
-          </p:txBody>
-        </p:sp>
-      </p:grpSp>
-      <p:sp>
-        <p:nvSpPr>
-          <p:cNvPr id="1402887" name="Rectangle 7"/>
-          <p:cNvSpPr>
-            <a:spLocks noChangeArrowheads="1"/>
-          </p:cNvSpPr>
-          <p:nvPr/>
-        </p:nvSpPr>
-        <p:spPr bwMode="auto">
-          <a:xfrm>
-            <a:off x="2743200" y="4648200"/>
-            <a:ext cx="4495800" cy="228600"/>
-          </a:xfrm>
-          <a:prstGeom prst="rect">
-            <a:avLst/>
-          </a:prstGeom>
-          <a:noFill/>
-          <a:ln w="12700">
-            <a:solidFill>
-              <a:srgbClr val="FF3300"/>
-            </a:solidFill>
-            <a:miter lim="800000"/>
-            <a:headEnd/>
-            <a:tailEnd/>
-          </a:ln>
-          <a:effectLst/>
-        </p:spPr>
-        <p:txBody>
-          <a:bodyPr wrap="none" anchor="ctr"/>
-          <a:lstStyle/>
-          <a:p>
-            <a:endParaRPr lang="en-US"/>
-          </a:p>
-        </p:txBody>
-      </p:sp>
-      <p:sp>
-        <p:nvSpPr>
-          <p:cNvPr id="3" name="TextBox 2"/>
-          <p:cNvSpPr txBox="1"/>
-          <p:nvPr/>
-        </p:nvSpPr>
-        <p:spPr>
-          <a:xfrm>
-            <a:off x="1317519" y="5943600"/>
-            <a:ext cx="6531081" cy="707886"/>
-          </a:xfrm>
-          <a:prstGeom prst="rect">
-            <a:avLst/>
-          </a:prstGeom>
-          <a:noFill/>
-        </p:spPr>
-        <p:txBody>
-          <a:bodyPr wrap="square" rtlCol="0">
-            <a:spAutoFit/>
-          </a:bodyPr>
-          <a:lstStyle/>
-          <a:p>
-            <a:r>
-              <a:rPr lang="en-US" sz="2000" dirty="0">
-                <a:solidFill>
-                  <a:srgbClr val="008000"/>
-                </a:solidFill>
-                <a:latin typeface="Arial" pitchFamily="34" charset="0"/>
-                <a:cs typeface="Arial" pitchFamily="34" charset="0"/>
-              </a:rPr>
-              <a:t>The above matrix is really “2-dimensional.” All rows can be reconstructed by scaling [1 1 1 0 0] or [0 0 0 1 1]</a:t>
-            </a:r>
-          </a:p>
-        </p:txBody>
-      </p:sp>
-    </p:spTree>
-    <p:extLst>
-      <p:ext uri="{BB962C8B-B14F-4D97-AF65-F5344CB8AC3E}">
-        <p14:creationId xmlns:p14="http://schemas.microsoft.com/office/powerpoint/2010/main" val="3467406499"/>
-      </p:ext>
-    </p:extLst>
-  </p:cSld>
-  <p:clrMapOvr>
-    <a:masterClrMapping/>
-  </p:clrMapOvr>
-</p:sld>
-</file>
-
-<file path=ppt/slides/slide30.xml><?xml version="1.0" encoding="utf-8"?>
+<file path=ppt/slides/slide29.xml><?xml version="1.0" encoding="utf-8"?>
 <p:sld xmlns:a="http://schemas.openxmlformats.org/drawingml/2006/main" xmlns:r="http://schemas.openxmlformats.org/officeDocument/2006/relationships" xmlns:p="http://schemas.openxmlformats.org/presentationml/2006/main">
   <p:cSld>
     <p:spTree>
@@ -34364,7 +32734,7 @@
             <a:fld id="{01AC5710-3BE7-4379-B7ED-EAE73E1B57AD}" type="slidenum">
               <a:rPr lang="en-US"/>
               <a:pPr/>
-              <a:t>30</a:t>
+              <a:t>29</a:t>
             </a:fld>
             <a:endParaRPr lang="en-US"/>
           </a:p>
@@ -34386,7 +32756,7 @@
           <a:graphicData uri="http://schemas.openxmlformats.org/presentationml/2006/ole">
             <mc:AlternateContent xmlns:mc="http://schemas.openxmlformats.org/markup-compatibility/2006">
               <mc:Choice xmlns:v="urn:schemas-microsoft-com:vml" Requires="v">
-                <p:oleObj spid="_x0000_s22623" name="Document" r:id="rId3" imgW="3023680" imgH="637393" progId="Word.Document.8">
+                <p:oleObj spid="_x0000_s22629" name="Document" r:id="rId3" imgW="3023680" imgH="637393" progId="Word.Document.8">
                   <p:embed/>
                 </p:oleObj>
               </mc:Choice>
@@ -35541,7 +33911,316 @@
 </p:sld>
 </file>
 
-<file path=ppt/slides/slide31.xml><?xml version="1.0" encoding="utf-8"?>
+<file path=ppt/slides/slide3.xml><?xml version="1.0" encoding="utf-8"?>
+<p:sld xmlns:a="http://schemas.openxmlformats.org/drawingml/2006/main" xmlns:r="http://schemas.openxmlformats.org/officeDocument/2006/relationships" xmlns:p="http://schemas.openxmlformats.org/presentationml/2006/main">
+  <p:cSld>
+    <p:spTree>
+      <p:nvGrpSpPr>
+        <p:cNvPr id="1" name=""/>
+        <p:cNvGrpSpPr/>
+        <p:nvPr/>
+      </p:nvGrpSpPr>
+      <p:grpSpPr>
+        <a:xfrm>
+          <a:off x="0" y="0"/>
+          <a:ext cx="0" cy="0"/>
+          <a:chOff x="0" y="0"/>
+          <a:chExt cx="0" cy="0"/>
+        </a:xfrm>
+      </p:grpSpPr>
+      <p:sp>
+        <p:nvSpPr>
+          <p:cNvPr id="1402882" name="Rectangle 2"/>
+          <p:cNvSpPr>
+            <a:spLocks noGrp="1" noChangeArrowheads="1"/>
+          </p:cNvSpPr>
+          <p:nvPr>
+            <p:ph type="title"/>
+          </p:nvPr>
+        </p:nvSpPr>
+        <p:spPr/>
+        <p:txBody>
+          <a:bodyPr/>
+          <a:lstStyle/>
+          <a:p>
+            <a:r>
+              <a:rPr lang="en-US" dirty="0"/>
+              <a:t>Dimensionality Reduction</a:t>
+            </a:r>
+          </a:p>
+        </p:txBody>
+      </p:sp>
+      <p:sp>
+        <p:nvSpPr>
+          <p:cNvPr id="1402883" name="Rectangle 3"/>
+          <p:cNvSpPr>
+            <a:spLocks noGrp="1" noChangeArrowheads="1"/>
+          </p:cNvSpPr>
+          <p:nvPr>
+            <p:ph idx="1"/>
+          </p:nvPr>
+        </p:nvSpPr>
+        <p:spPr/>
+        <p:txBody>
+          <a:bodyPr>
+            <a:normAutofit/>
+          </a:bodyPr>
+          <a:lstStyle/>
+          <a:p>
+            <a:r>
+              <a:rPr lang="en-US" b="1" dirty="0">
+                <a:solidFill>
+                  <a:srgbClr val="D60093"/>
+                </a:solidFill>
+              </a:rPr>
+              <a:t>Compress / reduce dimensionality:</a:t>
+            </a:r>
+          </a:p>
+          <a:p>
+            <a:pPr lvl="1"/>
+            <a:r>
+              <a:rPr lang="en-US" dirty="0"/>
+              <a:t>10</a:t>
+            </a:r>
+            <a:r>
+              <a:rPr lang="en-US" baseline="30000" dirty="0"/>
+              <a:t>6</a:t>
+            </a:r>
+            <a:r>
+              <a:rPr lang="en-US" dirty="0"/>
+              <a:t> rows; 10</a:t>
+            </a:r>
+            <a:r>
+              <a:rPr lang="en-US" baseline="30000" dirty="0"/>
+              <a:t>3</a:t>
+            </a:r>
+            <a:r>
+              <a:rPr lang="en-US" dirty="0"/>
+              <a:t> columns; no updates</a:t>
+            </a:r>
+          </a:p>
+          <a:p>
+            <a:pPr lvl="1"/>
+            <a:r>
+              <a:rPr lang="en-US" dirty="0"/>
+              <a:t>Random access to any cell(s); </a:t>
+            </a:r>
+            <a:r>
+              <a:rPr lang="en-US" b="1" dirty="0"/>
+              <a:t>small error: OK</a:t>
+            </a:r>
+          </a:p>
+        </p:txBody>
+      </p:sp>
+      <p:sp>
+        <p:nvSpPr>
+          <p:cNvPr id="9" name="Footer Placeholder 4"/>
+          <p:cNvSpPr>
+            <a:spLocks noGrp="1"/>
+          </p:cNvSpPr>
+          <p:nvPr>
+            <p:ph type="ftr" sz="quarter" idx="11"/>
+          </p:nvPr>
+        </p:nvSpPr>
+        <p:spPr/>
+        <p:txBody>
+          <a:bodyPr/>
+          <a:lstStyle/>
+          <a:p>
+            <a:r>
+              <a:rPr lang="nn-NO"/>
+              <a:t>J. Leskovec, A. Rajaraman, J. Ullman: Mining of Massive Datasets, http://www.mmds.org</a:t>
+            </a:r>
+            <a:endParaRPr lang="en-US"/>
+          </a:p>
+        </p:txBody>
+      </p:sp>
+      <p:sp>
+        <p:nvSpPr>
+          <p:cNvPr id="10" name="Slide Number Placeholder 5"/>
+          <p:cNvSpPr>
+            <a:spLocks noGrp="1"/>
+          </p:cNvSpPr>
+          <p:nvPr>
+            <p:ph type="sldNum" sz="quarter" idx="12"/>
+          </p:nvPr>
+        </p:nvSpPr>
+        <p:spPr/>
+        <p:txBody>
+          <a:bodyPr/>
+          <a:lstStyle/>
+          <a:p>
+            <a:fld id="{35217FC2-B8CA-4B62-A7C7-342DAD8411DE}" type="slidenum">
+              <a:rPr lang="en-US"/>
+              <a:pPr/>
+              <a:t>3</a:t>
+            </a:fld>
+            <a:endParaRPr lang="en-US"/>
+          </a:p>
+        </p:txBody>
+      </p:sp>
+      <p:grpSp>
+        <p:nvGrpSpPr>
+          <p:cNvPr id="2" name="Group 4"/>
+          <p:cNvGrpSpPr>
+            <a:grpSpLocks/>
+          </p:cNvGrpSpPr>
+          <p:nvPr/>
+        </p:nvGrpSpPr>
+        <p:grpSpPr bwMode="auto">
+          <a:xfrm>
+            <a:off x="1219200" y="3048000"/>
+            <a:ext cx="6248400" cy="2381250"/>
+            <a:chOff x="576" y="2208"/>
+            <a:chExt cx="3936" cy="1500"/>
+          </a:xfrm>
+        </p:grpSpPr>
+        <p:pic>
+          <p:nvPicPr>
+            <p:cNvPr id="1402885" name="Picture 5" descr="img7"/>
+            <p:cNvPicPr>
+              <a:picLocks noChangeAspect="1" noChangeArrowheads="1"/>
+            </p:cNvPicPr>
+            <p:nvPr/>
+          </p:nvPicPr>
+          <p:blipFill>
+            <a:blip r:embed="rId2" cstate="print"/>
+            <a:srcRect/>
+            <a:stretch>
+              <a:fillRect/>
+            </a:stretch>
+          </p:blipFill>
+          <p:spPr bwMode="auto">
+            <a:xfrm>
+              <a:off x="576" y="2208"/>
+              <a:ext cx="3936" cy="1500"/>
+            </a:xfrm>
+            <a:prstGeom prst="rect">
+              <a:avLst/>
+            </a:prstGeom>
+            <a:noFill/>
+          </p:spPr>
+        </p:pic>
+        <p:sp>
+          <p:nvSpPr>
+            <p:cNvPr id="1402886" name="Rectangle 6"/>
+            <p:cNvSpPr>
+              <a:spLocks noChangeArrowheads="1"/>
+            </p:cNvSpPr>
+            <p:nvPr/>
+          </p:nvSpPr>
+          <p:spPr bwMode="auto">
+            <a:xfrm>
+              <a:off x="2880" y="2880"/>
+              <a:ext cx="240" cy="144"/>
+            </a:xfrm>
+            <a:prstGeom prst="rect">
+              <a:avLst/>
+            </a:prstGeom>
+            <a:noFill/>
+            <a:ln w="28575">
+              <a:solidFill>
+                <a:srgbClr val="FF3300"/>
+              </a:solidFill>
+              <a:miter lim="800000"/>
+              <a:headEnd/>
+              <a:tailEnd/>
+            </a:ln>
+            <a:effectLst/>
+          </p:spPr>
+          <p:txBody>
+            <a:bodyPr wrap="none" anchor="ctr"/>
+            <a:lstStyle/>
+            <a:p>
+              <a:endParaRPr lang="en-US"/>
+            </a:p>
+          </p:txBody>
+        </p:sp>
+      </p:grpSp>
+      <p:sp>
+        <p:nvSpPr>
+          <p:cNvPr id="1402887" name="Rectangle 7"/>
+          <p:cNvSpPr>
+            <a:spLocks noChangeArrowheads="1"/>
+          </p:cNvSpPr>
+          <p:nvPr/>
+        </p:nvSpPr>
+        <p:spPr bwMode="auto">
+          <a:xfrm>
+            <a:off x="2743200" y="4648200"/>
+            <a:ext cx="4495800" cy="228600"/>
+          </a:xfrm>
+          <a:prstGeom prst="rect">
+            <a:avLst/>
+          </a:prstGeom>
+          <a:noFill/>
+          <a:ln w="12700">
+            <a:solidFill>
+              <a:srgbClr val="FF3300"/>
+            </a:solidFill>
+            <a:miter lim="800000"/>
+            <a:headEnd/>
+            <a:tailEnd/>
+          </a:ln>
+          <a:effectLst/>
+        </p:spPr>
+        <p:txBody>
+          <a:bodyPr wrap="none" anchor="ctr"/>
+          <a:lstStyle/>
+          <a:p>
+            <a:endParaRPr lang="en-US"/>
+          </a:p>
+        </p:txBody>
+      </p:sp>
+      <p:sp>
+        <p:nvSpPr>
+          <p:cNvPr id="3" name="TextBox 2"/>
+          <p:cNvSpPr txBox="1"/>
+          <p:nvPr/>
+        </p:nvSpPr>
+        <p:spPr>
+          <a:xfrm>
+            <a:off x="1317519" y="5943600"/>
+            <a:ext cx="6531081" cy="707886"/>
+          </a:xfrm>
+          <a:prstGeom prst="rect">
+            <a:avLst/>
+          </a:prstGeom>
+          <a:noFill/>
+        </p:spPr>
+        <p:txBody>
+          <a:bodyPr wrap="square" rtlCol="0">
+            <a:spAutoFit/>
+          </a:bodyPr>
+          <a:lstStyle/>
+          <a:p>
+            <a:r>
+              <a:rPr lang="en-US" sz="2000" dirty="0">
+                <a:solidFill>
+                  <a:srgbClr val="008000"/>
+                </a:solidFill>
+                <a:latin typeface="Arial" pitchFamily="34" charset="0"/>
+                <a:cs typeface="Arial" pitchFamily="34" charset="0"/>
+              </a:rPr>
+              <a:t>The above matrix is really “2-dimensional.” All rows can be reconstructed by scaling [1 1 1 0 0] or [0 0 0 1 1]</a:t>
+            </a:r>
+          </a:p>
+        </p:txBody>
+      </p:sp>
+    </p:spTree>
+    <p:extLst>
+      <p:ext uri="{BB962C8B-B14F-4D97-AF65-F5344CB8AC3E}">
+        <p14:creationId xmlns:p14="http://schemas.microsoft.com/office/powerpoint/2010/main" val="3467406499"/>
+      </p:ext>
+    </p:extLst>
+  </p:cSld>
+  <p:clrMapOvr>
+    <a:masterClrMapping/>
+  </p:clrMapOvr>
+</p:sld>
+</file>
+
+<file path=ppt/slides/slide30.xml><?xml version="1.0" encoding="utf-8"?>
 <p:sld xmlns:a="http://schemas.openxmlformats.org/drawingml/2006/main" xmlns:r="http://schemas.openxmlformats.org/officeDocument/2006/relationships" xmlns:p="http://schemas.openxmlformats.org/presentationml/2006/main">
   <p:cSld>
     <p:spTree>
@@ -35673,7 +34352,7 @@
             <a:fld id="{305589B1-7FBC-467F-8276-38FDC27BDF56}" type="slidenum">
               <a:rPr lang="en-US"/>
               <a:pPr/>
-              <a:t>31</a:t>
+              <a:t>30</a:t>
             </a:fld>
             <a:endParaRPr lang="en-US"/>
           </a:p>
@@ -36216,7 +34895,7 @@
           <a:graphicData uri="http://schemas.openxmlformats.org/presentationml/2006/ole">
             <mc:AlternateContent xmlns:mc="http://schemas.openxmlformats.org/markup-compatibility/2006">
               <mc:Choice xmlns:v="urn:schemas-microsoft-com:vml" Requires="v">
-                <p:oleObj spid="_x0000_s23647" name="Document" r:id="rId3" imgW="3023680" imgH="637393" progId="Word.Document.8">
+                <p:oleObj spid="_x0000_s23653" name="Document" r:id="rId3" imgW="3023680" imgH="637393" progId="Word.Document.8">
                   <p:embed/>
                 </p:oleObj>
               </mc:Choice>
@@ -36843,7 +35522,7 @@
 </p:sld>
 </file>
 
-<file path=ppt/slides/slide32.xml><?xml version="1.0" encoding="utf-8"?>
+<file path=ppt/slides/slide31.xml><?xml version="1.0" encoding="utf-8"?>
 <p:sld xmlns:a="http://schemas.openxmlformats.org/drawingml/2006/main" xmlns:r="http://schemas.openxmlformats.org/officeDocument/2006/relationships" xmlns:p="http://schemas.openxmlformats.org/presentationml/2006/main">
   <p:cSld>
     <p:spTree>
@@ -37025,7 +35704,7 @@
             <a:fld id="{0F4D802C-A5FE-46EE-9B95-4C4A9828271D}" type="slidenum">
               <a:rPr lang="en-US"/>
               <a:pPr/>
-              <a:t>32</a:t>
+              <a:t>31</a:t>
             </a:fld>
             <a:endParaRPr lang="en-US"/>
           </a:p>
@@ -37435,7 +36114,7 @@
           <a:graphicData uri="http://schemas.openxmlformats.org/presentationml/2006/ole">
             <mc:AlternateContent xmlns:mc="http://schemas.openxmlformats.org/markup-compatibility/2006">
               <mc:Choice xmlns:v="urn:schemas-microsoft-com:vml" Requires="v">
-                <p:oleObj spid="_x0000_s24747" name="Document" r:id="rId3" imgW="3023680" imgH="637393" progId="Word.Document.8">
+                <p:oleObj spid="_x0000_s24753" name="Document" r:id="rId3" imgW="3023680" imgH="637393" progId="Word.Document.8">
                   <p:embed/>
                 </p:oleObj>
               </mc:Choice>
@@ -38008,7 +36687,7 @@
 </p:sld>
 </file>
 
-<file path=ppt/slides/slide33.xml><?xml version="1.0" encoding="utf-8"?>
+<file path=ppt/slides/slide32.xml><?xml version="1.0" encoding="utf-8"?>
 <p:sld xmlns:a="http://schemas.openxmlformats.org/drawingml/2006/main" xmlns:r="http://schemas.openxmlformats.org/officeDocument/2006/relationships" xmlns:p="http://schemas.openxmlformats.org/presentationml/2006/main">
   <p:cSld>
     <p:spTree>
@@ -38205,7 +36884,7 @@
             <a:fld id="{0F4D802C-A5FE-46EE-9B95-4C4A9828271D}" type="slidenum">
               <a:rPr lang="en-US"/>
               <a:pPr/>
-              <a:t>33</a:t>
+              <a:t>32</a:t>
             </a:fld>
             <a:endParaRPr lang="en-US"/>
           </a:p>
@@ -38621,7 +37300,7 @@
           <a:graphicData uri="http://schemas.openxmlformats.org/presentationml/2006/ole">
             <mc:AlternateContent xmlns:mc="http://schemas.openxmlformats.org/markup-compatibility/2006">
               <mc:Choice xmlns:v="urn:schemas-microsoft-com:vml" Requires="v">
-                <p:oleObj spid="_x0000_s36920" name="Document" r:id="rId3" imgW="3023679" imgH="640637" progId="Word.Document.8">
+                <p:oleObj spid="_x0000_s36926" name="Document" r:id="rId3" imgW="3023679" imgH="640637" progId="Word.Document.8">
                   <p:embed/>
                 </p:oleObj>
               </mc:Choice>
@@ -39188,7 +37867,7 @@
 </p:sld>
 </file>
 
-<file path=ppt/slides/slide34.xml><?xml version="1.0" encoding="utf-8"?>
+<file path=ppt/slides/slide33.xml><?xml version="1.0" encoding="utf-8"?>
 <p:sld xmlns:a="http://schemas.openxmlformats.org/drawingml/2006/main" xmlns:r="http://schemas.openxmlformats.org/officeDocument/2006/relationships" xmlns:p="http://schemas.openxmlformats.org/presentationml/2006/main">
   <p:cSld>
     <p:spTree>
@@ -39393,7 +38072,7 @@
             <a:fld id="{EBB87853-F0D8-4156-857A-8F052DDCB3E1}" type="slidenum">
               <a:rPr lang="en-US"/>
               <a:pPr/>
-              <a:t>34</a:t>
+              <a:t>33</a:t>
             </a:fld>
             <a:endParaRPr lang="en-US"/>
           </a:p>
@@ -39415,7 +38094,7 @@
           <a:graphicData uri="http://schemas.openxmlformats.org/presentationml/2006/ole">
             <mc:AlternateContent xmlns:mc="http://schemas.openxmlformats.org/markup-compatibility/2006">
               <mc:Choice xmlns:v="urn:schemas-microsoft-com:vml" Requires="v">
-                <p:oleObj spid="_x0000_s26886" name="Document" r:id="rId4" imgW="3212232" imgH="791693" progId="Word.Document.8">
+                <p:oleObj spid="_x0000_s26898" name="Document" r:id="rId4" imgW="3212232" imgH="791693" progId="Word.Document.8">
                   <p:embed/>
                 </p:oleObj>
               </mc:Choice>
@@ -39901,7 +38580,7 @@
           <a:graphicData uri="http://schemas.openxmlformats.org/presentationml/2006/ole">
             <mc:AlternateContent xmlns:mc="http://schemas.openxmlformats.org/markup-compatibility/2006">
               <mc:Choice xmlns:v="urn:schemas-microsoft-com:vml" Requires="v">
-                <p:oleObj spid="_x0000_s26887" name="Document" r:id="rId6" imgW="3023680" imgH="952123" progId="Word.Document.8">
+                <p:oleObj spid="_x0000_s26899" name="Document" r:id="rId6" imgW="3023680" imgH="952123" progId="Word.Document.8">
                   <p:embed/>
                 </p:oleObj>
               </mc:Choice>
@@ -40606,7 +39285,7 @@
 </p:sld>
 </file>
 
-<file path=ppt/slides/slide35.xml><?xml version="1.0" encoding="utf-8"?>
+<file path=ppt/slides/slide34.xml><?xml version="1.0" encoding="utf-8"?>
 <p:sld xmlns:a="http://schemas.openxmlformats.org/drawingml/2006/main" xmlns:r="http://schemas.openxmlformats.org/officeDocument/2006/relationships" xmlns:p="http://schemas.openxmlformats.org/presentationml/2006/main">
   <p:cSld>
     <p:spTree>
@@ -40834,7 +39513,7 @@
             <a:fld id="{18C11F5C-051A-4582-9CB8-85022DDBD398}" type="slidenum">
               <a:rPr lang="en-US"/>
               <a:pPr/>
-              <a:t>35</a:t>
+              <a:t>34</a:t>
             </a:fld>
             <a:endParaRPr lang="en-US"/>
           </a:p>
@@ -46504,7 +45183,7 @@
 </p:sld>
 </file>
 
-<file path=ppt/slides/slide36.xml><?xml version="1.0" encoding="utf-8"?>
+<file path=ppt/slides/slide35.xml><?xml version="1.0" encoding="utf-8"?>
 <p:sld xmlns:a="http://schemas.openxmlformats.org/drawingml/2006/main" xmlns:r="http://schemas.openxmlformats.org/officeDocument/2006/relationships" xmlns:p="http://schemas.openxmlformats.org/presentationml/2006/main">
   <p:cSld>
     <p:spTree>
@@ -46774,7 +45453,7 @@
             <a:fld id="{D8B1BF01-E894-45CF-9BD9-03DE398C1E7A}" type="slidenum">
               <a:rPr lang="en-US"/>
               <a:pPr/>
-              <a:t>36</a:t>
+              <a:t>35</a:t>
             </a:fld>
             <a:endParaRPr lang="en-US"/>
           </a:p>
@@ -46794,7 +45473,7 @@
 </p:sld>
 </file>
 
-<file path=ppt/slides/slide37.xml><?xml version="1.0" encoding="utf-8"?>
+<file path=ppt/slides/slide36.xml><?xml version="1.0" encoding="utf-8"?>
 <p:sld xmlns:a="http://schemas.openxmlformats.org/drawingml/2006/main" xmlns:r="http://schemas.openxmlformats.org/officeDocument/2006/relationships" xmlns:p="http://schemas.openxmlformats.org/presentationml/2006/main">
   <p:cSld>
     <p:spTree>
@@ -47051,7 +45730,7 @@
             <a:fld id="{0E1896CA-9847-47E0-8922-F42289D54C99}" type="slidenum">
               <a:rPr lang="en-US"/>
               <a:pPr/>
-              <a:t>37</a:t>
+              <a:t>36</a:t>
             </a:fld>
             <a:endParaRPr lang="en-US"/>
           </a:p>
@@ -49029,7 +47708,7 @@
         <p:spPr>
           <a:xfrm>
             <a:off x="4684059" y="3108692"/>
-            <a:ext cx="4068743" cy="1631216"/>
+            <a:ext cx="4068743" cy="1938992"/>
           </a:xfrm>
           <a:prstGeom prst="rect">
             <a:avLst/>
@@ -49084,6 +47763,16 @@
               </a:rPr>
               <a:t>All matrix dimensions</a:t>
             </a:r>
+          </a:p>
+          <a:p>
+            <a:pPr lvl="1"/>
+            <a:endParaRPr lang="en-US" sz="2000" dirty="0">
+              <a:solidFill>
+                <a:srgbClr val="008000"/>
+              </a:solidFill>
+              <a:latin typeface="Arial" pitchFamily="34" charset="0"/>
+              <a:cs typeface="Arial" pitchFamily="34" charset="0"/>
+            </a:endParaRPr>
           </a:p>
           <a:p>
             <a:pPr marL="342900" indent="-342900">
@@ -49165,6 +47854,66 @@
           </a:p>
         </p:txBody>
       </p:sp>
+      <p:pic>
+        <p:nvPicPr>
+          <p:cNvPr id="6" name="Picture 5">
+            <a:extLst>
+              <a:ext uri="{FF2B5EF4-FFF2-40B4-BE49-F238E27FC236}">
+                <a16:creationId xmlns:a16="http://schemas.microsoft.com/office/drawing/2014/main" id="{54E7CF0E-461E-E745-A716-6AAC91D19819}"/>
+              </a:ext>
+            </a:extLst>
+          </p:cNvPr>
+          <p:cNvPicPr>
+            <a:picLocks noChangeAspect="1"/>
+          </p:cNvPicPr>
+          <p:nvPr/>
+        </p:nvPicPr>
+        <p:blipFill>
+          <a:blip r:embed="rId3"/>
+          <a:stretch>
+            <a:fillRect/>
+          </a:stretch>
+        </p:blipFill>
+        <p:spPr>
+          <a:xfrm>
+            <a:off x="6011956" y="4953000"/>
+            <a:ext cx="1257300" cy="368300"/>
+          </a:xfrm>
+          <a:prstGeom prst="rect">
+            <a:avLst/>
+          </a:prstGeom>
+        </p:spPr>
+      </p:pic>
+      <p:pic>
+        <p:nvPicPr>
+          <p:cNvPr id="9" name="Picture 8">
+            <a:extLst>
+              <a:ext uri="{FF2B5EF4-FFF2-40B4-BE49-F238E27FC236}">
+                <a16:creationId xmlns:a16="http://schemas.microsoft.com/office/drawing/2014/main" id="{D6E22311-EB6B-CD4B-AE78-A41E568BEA18}"/>
+              </a:ext>
+            </a:extLst>
+          </p:cNvPr>
+          <p:cNvPicPr>
+            <a:picLocks noChangeAspect="1"/>
+          </p:cNvPicPr>
+          <p:nvPr/>
+        </p:nvPicPr>
+        <p:blipFill>
+          <a:blip r:embed="rId4"/>
+          <a:stretch>
+            <a:fillRect/>
+          </a:stretch>
+        </p:blipFill>
+        <p:spPr>
+          <a:xfrm>
+            <a:off x="6011956" y="4020340"/>
+            <a:ext cx="1193800" cy="444500"/>
+          </a:xfrm>
+          <a:prstGeom prst="rect">
+            <a:avLst/>
+          </a:prstGeom>
+        </p:spPr>
+      </p:pic>
     </p:spTree>
     <p:extLst>
       <p:ext uri="{BB962C8B-B14F-4D97-AF65-F5344CB8AC3E}">
@@ -49420,7 +48169,7 @@
             </a:r>
             <a:r>
               <a:rPr lang="en-US" dirty="0"/>
-              <a:t> documents, </a:t>
+              <a:t> users, </a:t>
             </a:r>
             <a:r>
               <a:rPr lang="en-US" i="1" dirty="0"/>
@@ -49428,7 +48177,7 @@
             </a:r>
             <a:r>
               <a:rPr lang="en-US" dirty="0"/>
-              <a:t> terms)</a:t>
+              <a:t> movies)</a:t>
             </a:r>
           </a:p>
           <a:p>
@@ -49482,7 +48231,7 @@
             </a:r>
             <a:r>
               <a:rPr lang="en-US" dirty="0"/>
-              <a:t> documents, </a:t>
+              <a:t> users, </a:t>
             </a:r>
             <a:r>
               <a:rPr lang="en-US" i="1" dirty="0"/>
@@ -49620,7 +48369,7 @@
             </a:r>
             <a:r>
               <a:rPr lang="en-US" dirty="0"/>
-              <a:t> terms, </a:t>
+              <a:t> movies, </a:t>
             </a:r>
             <a:r>
               <a:rPr lang="en-US" i="1" dirty="0"/>
